--- a/Presentations/Midterm/midterm.pptx
+++ b/Presentations/Midterm/midterm.pptx
@@ -5,7 +5,7 @@
     <p:sldMasterId id="2147483785" r:id="rId1"/>
   </p:sldMasterIdLst>
   <p:notesMasterIdLst>
-    <p:notesMasterId r:id="rId73"/>
+    <p:notesMasterId r:id="rId74"/>
   </p:notesMasterIdLst>
   <p:sldIdLst>
     <p:sldId id="256" r:id="rId2"/>
@@ -79,6 +79,7 @@
     <p:sldId id="263" r:id="rId70"/>
     <p:sldId id="280" r:id="rId71"/>
     <p:sldId id="355" r:id="rId72"/>
+    <p:sldId id="356" r:id="rId73"/>
   </p:sldIdLst>
   <p:sldSz cx="12192000" cy="6858000"/>
   <p:notesSz cx="6858000" cy="9144000"/>
@@ -4670,21 +4671,21 @@
     </dgm:pt>
   </dgm:ptLst>
   <dgm:cxnLst>
-    <dgm:cxn modelId="{871F3FDF-C464-4964-A3C4-CC3F21778624}" type="presOf" srcId="{F52B2616-E070-41E9-A0C6-5F77A35279F8}" destId="{475E8E10-321D-43CB-9FBE-E21B12C6A7FB}" srcOrd="0" destOrd="0" presId="urn:microsoft.com/office/officeart/2005/8/layout/hList6"/>
     <dgm:cxn modelId="{48283766-C8B5-4FC7-812B-8497AA0DEBE2}" srcId="{F52B2616-E070-41E9-A0C6-5F77A35279F8}" destId="{395ED92E-3BD4-4BFD-9994-17C5129F55A5}" srcOrd="1" destOrd="0" parTransId="{B66891D4-0E88-4E7C-8A2A-00D270DC71D7}" sibTransId="{34D15687-2B3A-4677-A069-CE3784C0870A}"/>
+    <dgm:cxn modelId="{02379F8E-E404-459B-9023-5210359B8444}" type="presOf" srcId="{57ECCBC0-E332-4DA8-A753-B19397CD300C}" destId="{475E8E10-321D-43CB-9FBE-E21B12C6A7FB}" srcOrd="0" destOrd="4" presId="urn:microsoft.com/office/officeart/2005/8/layout/hList6"/>
     <dgm:cxn modelId="{EE055907-9F23-4631-A693-A5320BAFE293}" srcId="{F52B2616-E070-41E9-A0C6-5F77A35279F8}" destId="{57ECCBC0-E332-4DA8-A753-B19397CD300C}" srcOrd="3" destOrd="0" parTransId="{AC7B9073-E1B8-4F66-9BEE-86E84C56E727}" sibTransId="{A91B5AC3-C622-4833-A8CA-6C2F4C9C6E7B}"/>
     <dgm:cxn modelId="{B088ACB9-2AF1-4274-9163-FCECF296CBA9}" type="presOf" srcId="{14F50946-1EB0-44B4-97FE-91658C19A3E7}" destId="{475E8E10-321D-43CB-9FBE-E21B12C6A7FB}" srcOrd="0" destOrd="1" presId="urn:microsoft.com/office/officeart/2005/8/layout/hList6"/>
-    <dgm:cxn modelId="{AF60B73B-EF89-40EE-A778-CCA3C636C26A}" srcId="{F52B2616-E070-41E9-A0C6-5F77A35279F8}" destId="{36C62F2E-BE03-4469-93EB-2CE0029861D2}" srcOrd="2" destOrd="0" parTransId="{6B55622F-833B-4820-BB7F-780FE83BAA97}" sibTransId="{BA316D3A-4158-4234-82B5-DB796CAA804B}"/>
-    <dgm:cxn modelId="{3412A52F-459B-475D-9F64-173BE5107FC9}" srcId="{F52B2616-E070-41E9-A0C6-5F77A35279F8}" destId="{14F50946-1EB0-44B4-97FE-91658C19A3E7}" srcOrd="0" destOrd="0" parTransId="{08744D75-444B-4D39-BE5B-555F09CFEAE3}" sibTransId="{2E923D5A-C04A-407D-9677-B766BDC9887B}"/>
     <dgm:cxn modelId="{9AE7B832-666D-4F57-AD7F-E46722024978}" type="presOf" srcId="{AAEE1B33-7B5F-4AAA-BC6C-8DA7C7BA08E6}" destId="{CB3970F5-4B46-4D03-9416-FEB9FF6AB152}" srcOrd="0" destOrd="0" presId="urn:microsoft.com/office/officeart/2005/8/layout/hList6"/>
+    <dgm:cxn modelId="{A68C515D-4781-4ED2-825C-BFC427B28AA4}" srcId="{F9CA9111-1371-447E-8AA7-EEE656CE2D33}" destId="{F52B2616-E070-41E9-A0C6-5F77A35279F8}" srcOrd="0" destOrd="0" parTransId="{4BF08426-E85B-4FBD-933D-0C8974B695AF}" sibTransId="{248DC076-5408-4A74-B5D3-67F4691AB699}"/>
     <dgm:cxn modelId="{F29D6295-5C85-47D5-A92C-F4263C7D3B91}" type="presOf" srcId="{1ABD7A25-9D19-420E-AAF3-2963CAD6EAC6}" destId="{4A2757D9-EA3E-4300-9C07-77EBA31E4FE6}" srcOrd="0" destOrd="0" presId="urn:microsoft.com/office/officeart/2005/8/layout/hList6"/>
     <dgm:cxn modelId="{FBEB1564-6F49-4777-86FD-EE4D15B4B84C}" type="presOf" srcId="{395ED92E-3BD4-4BFD-9994-17C5129F55A5}" destId="{475E8E10-321D-43CB-9FBE-E21B12C6A7FB}" srcOrd="0" destOrd="2" presId="urn:microsoft.com/office/officeart/2005/8/layout/hList6"/>
+    <dgm:cxn modelId="{3412A52F-459B-475D-9F64-173BE5107FC9}" srcId="{F52B2616-E070-41E9-A0C6-5F77A35279F8}" destId="{14F50946-1EB0-44B4-97FE-91658C19A3E7}" srcOrd="0" destOrd="0" parTransId="{08744D75-444B-4D39-BE5B-555F09CFEAE3}" sibTransId="{2E923D5A-C04A-407D-9677-B766BDC9887B}"/>
+    <dgm:cxn modelId="{7C37895F-5EE0-4FA2-A49F-109C5A857BEE}" srcId="{F9CA9111-1371-447E-8AA7-EEE656CE2D33}" destId="{1ABD7A25-9D19-420E-AAF3-2963CAD6EAC6}" srcOrd="1" destOrd="0" parTransId="{511EA8BB-52B4-4F77-9E23-CE9DECDAD34F}" sibTransId="{447BF525-E978-44D7-8AD8-2A572135AF6B}"/>
+    <dgm:cxn modelId="{871F3FDF-C464-4964-A3C4-CC3F21778624}" type="presOf" srcId="{F52B2616-E070-41E9-A0C6-5F77A35279F8}" destId="{475E8E10-321D-43CB-9FBE-E21B12C6A7FB}" srcOrd="0" destOrd="0" presId="urn:microsoft.com/office/officeart/2005/8/layout/hList6"/>
     <dgm:cxn modelId="{317E6C53-4101-4B07-B4CA-E955FAD17431}" type="presOf" srcId="{36C62F2E-BE03-4469-93EB-2CE0029861D2}" destId="{475E8E10-321D-43CB-9FBE-E21B12C6A7FB}" srcOrd="0" destOrd="3" presId="urn:microsoft.com/office/officeart/2005/8/layout/hList6"/>
-    <dgm:cxn modelId="{A68C515D-4781-4ED2-825C-BFC427B28AA4}" srcId="{F9CA9111-1371-447E-8AA7-EEE656CE2D33}" destId="{F52B2616-E070-41E9-A0C6-5F77A35279F8}" srcOrd="0" destOrd="0" parTransId="{4BF08426-E85B-4FBD-933D-0C8974B695AF}" sibTransId="{248DC076-5408-4A74-B5D3-67F4691AB699}"/>
-    <dgm:cxn modelId="{02379F8E-E404-459B-9023-5210359B8444}" type="presOf" srcId="{57ECCBC0-E332-4DA8-A753-B19397CD300C}" destId="{475E8E10-321D-43CB-9FBE-E21B12C6A7FB}" srcOrd="0" destOrd="4" presId="urn:microsoft.com/office/officeart/2005/8/layout/hList6"/>
     <dgm:cxn modelId="{3E37CD1C-179D-4156-A167-34DCE0D052A3}" srcId="{F9CA9111-1371-447E-8AA7-EEE656CE2D33}" destId="{AAEE1B33-7B5F-4AAA-BC6C-8DA7C7BA08E6}" srcOrd="2" destOrd="0" parTransId="{82D59BF3-8865-460B-89E3-CEB78E0A4B11}" sibTransId="{2EE4BE8A-D1C9-41A1-8F65-AD8D50D77E78}"/>
     <dgm:cxn modelId="{E91080F3-4DD0-466A-AF91-5CEF78A90E55}" type="presOf" srcId="{F9CA9111-1371-447E-8AA7-EEE656CE2D33}" destId="{A6963697-5066-44D5-9D8B-78CBDBA2B4B3}" srcOrd="0" destOrd="0" presId="urn:microsoft.com/office/officeart/2005/8/layout/hList6"/>
-    <dgm:cxn modelId="{7C37895F-5EE0-4FA2-A49F-109C5A857BEE}" srcId="{F9CA9111-1371-447E-8AA7-EEE656CE2D33}" destId="{1ABD7A25-9D19-420E-AAF3-2963CAD6EAC6}" srcOrd="1" destOrd="0" parTransId="{511EA8BB-52B4-4F77-9E23-CE9DECDAD34F}" sibTransId="{447BF525-E978-44D7-8AD8-2A572135AF6B}"/>
+    <dgm:cxn modelId="{AF60B73B-EF89-40EE-A778-CCA3C636C26A}" srcId="{F52B2616-E070-41E9-A0C6-5F77A35279F8}" destId="{36C62F2E-BE03-4469-93EB-2CE0029861D2}" srcOrd="2" destOrd="0" parTransId="{6B55622F-833B-4820-BB7F-780FE83BAA97}" sibTransId="{BA316D3A-4158-4234-82B5-DB796CAA804B}"/>
     <dgm:cxn modelId="{3CB54F1F-7587-4D58-9FE8-BEB2800776A4}" type="presParOf" srcId="{A6963697-5066-44D5-9D8B-78CBDBA2B4B3}" destId="{475E8E10-321D-43CB-9FBE-E21B12C6A7FB}" srcOrd="0" destOrd="0" presId="urn:microsoft.com/office/officeart/2005/8/layout/hList6"/>
     <dgm:cxn modelId="{35E32079-9D9E-4F82-B280-3CDC3B2C761D}" type="presParOf" srcId="{A6963697-5066-44D5-9D8B-78CBDBA2B4B3}" destId="{B1D85BDC-A359-4F71-A35B-0A83DD2BF8E2}" srcOrd="1" destOrd="0" presId="urn:microsoft.com/office/officeart/2005/8/layout/hList6"/>
     <dgm:cxn modelId="{4185EC8E-595A-4D80-BCA0-22666756F9F3}" type="presParOf" srcId="{A6963697-5066-44D5-9D8B-78CBDBA2B4B3}" destId="{4A2757D9-EA3E-4300-9C07-77EBA31E4FE6}" srcOrd="2" destOrd="0" presId="urn:microsoft.com/office/officeart/2005/8/layout/hList6"/>
@@ -7233,304 +7234,6 @@
       <dsp:cNvGrpSpPr/>
     </dsp:nvGrpSpPr>
     <dsp:grpSpPr/>
-    <dsp:sp modelId="{475E8E10-321D-43CB-9FBE-E21B12C6A7FB}">
-      <dsp:nvSpPr>
-        <dsp:cNvPr id="0" name=""/>
-        <dsp:cNvSpPr/>
-      </dsp:nvSpPr>
-      <dsp:spPr>
-        <a:xfrm rot="16200000">
-          <a:off x="-504299" y="507633"/>
-          <a:ext cx="3952683" cy="2937415"/>
-        </a:xfrm>
-        <a:prstGeom prst="flowChartManualOperation">
-          <a:avLst/>
-        </a:prstGeom>
-        <a:gradFill rotWithShape="0">
-          <a:gsLst>
-            <a:gs pos="0">
-              <a:schemeClr val="accent1">
-                <a:shade val="80000"/>
-                <a:hueOff val="0"/>
-                <a:satOff val="0"/>
-                <a:lumOff val="0"/>
-                <a:alphaOff val="0"/>
-                <a:tint val="96000"/>
-                <a:lumMod val="104000"/>
-              </a:schemeClr>
-            </a:gs>
-            <a:gs pos="100000">
-              <a:schemeClr val="accent1">
-                <a:shade val="80000"/>
-                <a:hueOff val="0"/>
-                <a:satOff val="0"/>
-                <a:lumOff val="0"/>
-                <a:alphaOff val="0"/>
-                <a:shade val="98000"/>
-                <a:lumMod val="94000"/>
-              </a:schemeClr>
-            </a:gs>
-          </a:gsLst>
-          <a:lin ang="5400000" scaled="0"/>
-        </a:gradFill>
-        <a:ln>
-          <a:noFill/>
-        </a:ln>
-        <a:effectLst>
-          <a:outerShdw blurRad="50800" dist="38100" dir="5400000" rotWithShape="0">
-            <a:srgbClr val="000000">
-              <a:alpha val="60000"/>
-            </a:srgbClr>
-          </a:outerShdw>
-        </a:effectLst>
-      </dsp:spPr>
-      <dsp:style>
-        <a:lnRef idx="0">
-          <a:scrgbClr r="0" g="0" b="0"/>
-        </a:lnRef>
-        <a:fillRef idx="3">
-          <a:scrgbClr r="0" g="0" b="0"/>
-        </a:fillRef>
-        <a:effectRef idx="3">
-          <a:scrgbClr r="0" g="0" b="0"/>
-        </a:effectRef>
-        <a:fontRef idx="minor">
-          <a:schemeClr val="lt1"/>
-        </a:fontRef>
-      </dsp:style>
-      <dsp:txBody>
-        <a:bodyPr spcFirstLastPara="0" vert="horz" wrap="square" lIns="133350" tIns="0" rIns="133350" bIns="0" numCol="1" spcCol="1270" anchor="t" anchorCtr="0">
-          <a:noAutofit/>
-        </a:bodyPr>
-        <a:lstStyle/>
-        <a:p>
-          <a:pPr lvl="0" algn="l" defTabSz="933450">
-            <a:lnSpc>
-              <a:spcPct val="90000"/>
-            </a:lnSpc>
-            <a:spcBef>
-              <a:spcPct val="0"/>
-            </a:spcBef>
-            <a:spcAft>
-              <a:spcPct val="35000"/>
-            </a:spcAft>
-          </a:pPr>
-          <a:r>
-            <a:rPr lang="en-US" sz="2100" kern="1200" smtClean="0"/>
-            <a:t>Analyze</a:t>
-          </a:r>
-          <a:endParaRPr lang="en-US" sz="2100" kern="1200" dirty="0"/>
-        </a:p>
-        <a:p>
-          <a:pPr marL="171450" lvl="1" indent="-171450" algn="l" defTabSz="800100">
-            <a:lnSpc>
-              <a:spcPct val="90000"/>
-            </a:lnSpc>
-            <a:spcBef>
-              <a:spcPct val="0"/>
-            </a:spcBef>
-            <a:spcAft>
-              <a:spcPct val="15000"/>
-            </a:spcAft>
-            <a:buChar char="••"/>
-          </a:pPr>
-          <a:r>
-            <a:rPr lang="en-US" sz="1800" kern="1200" dirty="0" smtClean="0"/>
-            <a:t>Testing tools for responsive design</a:t>
-          </a:r>
-          <a:endParaRPr lang="en-US" sz="1800" kern="1200" dirty="0"/>
-        </a:p>
-        <a:p>
-          <a:pPr marL="171450" lvl="1" indent="-171450" algn="l" defTabSz="800100">
-            <a:lnSpc>
-              <a:spcPct val="90000"/>
-            </a:lnSpc>
-            <a:spcBef>
-              <a:spcPct val="0"/>
-            </a:spcBef>
-            <a:spcAft>
-              <a:spcPct val="15000"/>
-            </a:spcAft>
-            <a:buChar char="••"/>
-          </a:pPr>
-          <a:r>
-            <a:rPr lang="en-US" sz="1800" kern="1200" dirty="0" smtClean="0"/>
-            <a:t>General web testing tools</a:t>
-          </a:r>
-          <a:endParaRPr lang="en-US" sz="1800" kern="1200" dirty="0"/>
-        </a:p>
-        <a:p>
-          <a:pPr marL="171450" lvl="1" indent="-171450" algn="l" defTabSz="800100">
-            <a:lnSpc>
-              <a:spcPct val="90000"/>
-            </a:lnSpc>
-            <a:spcBef>
-              <a:spcPct val="0"/>
-            </a:spcBef>
-            <a:spcAft>
-              <a:spcPct val="15000"/>
-            </a:spcAft>
-            <a:buChar char="••"/>
-          </a:pPr>
-          <a:r>
-            <a:rPr lang="en-US" sz="1800" kern="1200" dirty="0" smtClean="0"/>
-            <a:t>Find limitations</a:t>
-          </a:r>
-          <a:endParaRPr lang="en-US" sz="1800" kern="1200" dirty="0"/>
-        </a:p>
-        <a:p>
-          <a:pPr marL="171450" lvl="1" indent="-171450" algn="l" defTabSz="800100">
-            <a:lnSpc>
-              <a:spcPct val="90000"/>
-            </a:lnSpc>
-            <a:spcBef>
-              <a:spcPct val="0"/>
-            </a:spcBef>
-            <a:spcAft>
-              <a:spcPct val="15000"/>
-            </a:spcAft>
-            <a:buChar char="••"/>
-          </a:pPr>
-          <a:r>
-            <a:rPr lang="en-US" sz="1800" kern="1200" dirty="0" smtClean="0"/>
-            <a:t>Gather requirements for improvements</a:t>
-          </a:r>
-          <a:endParaRPr lang="en-US" sz="1800" kern="1200" dirty="0"/>
-        </a:p>
-      </dsp:txBody>
-      <dsp:txXfrm rot="5400000">
-        <a:off x="3335" y="790536"/>
-        <a:ext cx="2937415" cy="2371609"/>
-      </dsp:txXfrm>
-    </dsp:sp>
-    <dsp:sp modelId="{4A2757D9-EA3E-4300-9C07-77EBA31E4FE6}">
-      <dsp:nvSpPr>
-        <dsp:cNvPr id="0" name=""/>
-        <dsp:cNvSpPr/>
-      </dsp:nvSpPr>
-      <dsp:spPr>
-        <a:xfrm rot="16200000">
-          <a:off x="2561388" y="587663"/>
-          <a:ext cx="3952683" cy="2777356"/>
-        </a:xfrm>
-        <a:prstGeom prst="flowChartManualOperation">
-          <a:avLst/>
-        </a:prstGeom>
-        <a:noFill/>
-        <a:ln>
-          <a:noFill/>
-        </a:ln>
-        <a:effectLst>
-          <a:outerShdw blurRad="50800" dist="38100" dir="5400000" rotWithShape="0">
-            <a:srgbClr val="000000">
-              <a:alpha val="60000"/>
-            </a:srgbClr>
-          </a:outerShdw>
-        </a:effectLst>
-      </dsp:spPr>
-      <dsp:style>
-        <a:lnRef idx="0">
-          <a:scrgbClr r="0" g="0" b="0"/>
-        </a:lnRef>
-        <a:fillRef idx="3">
-          <a:scrgbClr r="0" g="0" b="0"/>
-        </a:fillRef>
-        <a:effectRef idx="3">
-          <a:scrgbClr r="0" g="0" b="0"/>
-        </a:effectRef>
-        <a:fontRef idx="minor">
-          <a:schemeClr val="lt1"/>
-        </a:fontRef>
-      </dsp:style>
-      <dsp:txBody>
-        <a:bodyPr spcFirstLastPara="0" vert="horz" wrap="square" lIns="412750" tIns="0" rIns="412750" bIns="0" numCol="1" spcCol="1270" anchor="ctr" anchorCtr="0">
-          <a:noAutofit/>
-        </a:bodyPr>
-        <a:lstStyle/>
-        <a:p>
-          <a:pPr lvl="0" algn="ctr" defTabSz="2889250">
-            <a:lnSpc>
-              <a:spcPct val="90000"/>
-            </a:lnSpc>
-            <a:spcBef>
-              <a:spcPct val="0"/>
-            </a:spcBef>
-            <a:spcAft>
-              <a:spcPct val="35000"/>
-            </a:spcAft>
-          </a:pPr>
-          <a:endParaRPr lang="en-US" sz="6500" kern="1200" dirty="0"/>
-        </a:p>
-      </dsp:txBody>
-      <dsp:txXfrm rot="5400000">
-        <a:off x="3149052" y="790536"/>
-        <a:ext cx="2777356" cy="2371609"/>
-      </dsp:txXfrm>
-    </dsp:sp>
-    <dsp:sp modelId="{CB3970F5-4B46-4D03-9416-FEB9FF6AB152}">
-      <dsp:nvSpPr>
-        <dsp:cNvPr id="0" name=""/>
-        <dsp:cNvSpPr/>
-      </dsp:nvSpPr>
-      <dsp:spPr>
-        <a:xfrm rot="16200000">
-          <a:off x="5547045" y="587663"/>
-          <a:ext cx="3952683" cy="2777356"/>
-        </a:xfrm>
-        <a:prstGeom prst="flowChartManualOperation">
-          <a:avLst/>
-        </a:prstGeom>
-        <a:noFill/>
-        <a:ln>
-          <a:noFill/>
-        </a:ln>
-        <a:effectLst>
-          <a:outerShdw blurRad="50800" dist="38100" dir="5400000" rotWithShape="0">
-            <a:srgbClr val="000000">
-              <a:alpha val="60000"/>
-            </a:srgbClr>
-          </a:outerShdw>
-        </a:effectLst>
-      </dsp:spPr>
-      <dsp:style>
-        <a:lnRef idx="0">
-          <a:scrgbClr r="0" g="0" b="0"/>
-        </a:lnRef>
-        <a:fillRef idx="3">
-          <a:scrgbClr r="0" g="0" b="0"/>
-        </a:fillRef>
-        <a:effectRef idx="3">
-          <a:scrgbClr r="0" g="0" b="0"/>
-        </a:effectRef>
-        <a:fontRef idx="minor">
-          <a:schemeClr val="lt1"/>
-        </a:fontRef>
-      </dsp:style>
-      <dsp:txBody>
-        <a:bodyPr spcFirstLastPara="0" vert="horz" wrap="square" lIns="412750" tIns="0" rIns="412750" bIns="0" numCol="1" spcCol="1270" anchor="ctr" anchorCtr="0">
-          <a:noAutofit/>
-        </a:bodyPr>
-        <a:lstStyle/>
-        <a:p>
-          <a:pPr lvl="0" algn="ctr" defTabSz="2889250">
-            <a:lnSpc>
-              <a:spcPct val="90000"/>
-            </a:lnSpc>
-            <a:spcBef>
-              <a:spcPct val="0"/>
-            </a:spcBef>
-            <a:spcAft>
-              <a:spcPct val="35000"/>
-            </a:spcAft>
-          </a:pPr>
-          <a:endParaRPr lang="en-US" sz="6500" kern="1200" dirty="0"/>
-        </a:p>
-      </dsp:txBody>
-      <dsp:txXfrm rot="5400000">
-        <a:off x="6134709" y="790536"/>
-        <a:ext cx="2777356" cy="2371609"/>
-      </dsp:txXfrm>
-    </dsp:sp>
   </dsp:spTree>
 </dsp:drawing>
 </file>
@@ -7543,372 +7246,6 @@
       <dsp:cNvGrpSpPr/>
     </dsp:nvGrpSpPr>
     <dsp:grpSpPr/>
-    <dsp:sp modelId="{475E8E10-321D-43CB-9FBE-E21B12C6A7FB}">
-      <dsp:nvSpPr>
-        <dsp:cNvPr id="0" name=""/>
-        <dsp:cNvSpPr/>
-      </dsp:nvSpPr>
-      <dsp:spPr>
-        <a:xfrm rot="16200000">
-          <a:off x="-506828" y="507917"/>
-          <a:ext cx="3845429" cy="2829594"/>
-        </a:xfrm>
-        <a:prstGeom prst="flowChartManualOperation">
-          <a:avLst/>
-        </a:prstGeom>
-        <a:gradFill rotWithShape="0">
-          <a:gsLst>
-            <a:gs pos="0">
-              <a:schemeClr val="accent1">
-                <a:shade val="80000"/>
-                <a:hueOff val="0"/>
-                <a:satOff val="0"/>
-                <a:lumOff val="0"/>
-                <a:alphaOff val="0"/>
-                <a:tint val="96000"/>
-                <a:lumMod val="104000"/>
-              </a:schemeClr>
-            </a:gs>
-            <a:gs pos="100000">
-              <a:schemeClr val="accent1">
-                <a:shade val="80000"/>
-                <a:hueOff val="0"/>
-                <a:satOff val="0"/>
-                <a:lumOff val="0"/>
-                <a:alphaOff val="0"/>
-                <a:shade val="98000"/>
-                <a:lumMod val="94000"/>
-              </a:schemeClr>
-            </a:gs>
-          </a:gsLst>
-          <a:lin ang="5400000" scaled="0"/>
-        </a:gradFill>
-        <a:ln>
-          <a:noFill/>
-        </a:ln>
-        <a:effectLst>
-          <a:outerShdw blurRad="50800" dist="38100" dir="5400000" rotWithShape="0">
-            <a:srgbClr val="000000">
-              <a:alpha val="60000"/>
-            </a:srgbClr>
-          </a:outerShdw>
-        </a:effectLst>
-      </dsp:spPr>
-      <dsp:style>
-        <a:lnRef idx="0">
-          <a:scrgbClr r="0" g="0" b="0"/>
-        </a:lnRef>
-        <a:fillRef idx="3">
-          <a:scrgbClr r="0" g="0" b="0"/>
-        </a:fillRef>
-        <a:effectRef idx="3">
-          <a:scrgbClr r="0" g="0" b="0"/>
-        </a:effectRef>
-        <a:fontRef idx="minor">
-          <a:schemeClr val="lt1"/>
-        </a:fontRef>
-      </dsp:style>
-      <dsp:txBody>
-        <a:bodyPr spcFirstLastPara="0" vert="horz" wrap="square" lIns="133350" tIns="0" rIns="134476" bIns="0" numCol="1" spcCol="1270" anchor="t" anchorCtr="0">
-          <a:noAutofit/>
-        </a:bodyPr>
-        <a:lstStyle/>
-        <a:p>
-          <a:pPr lvl="0" algn="l" defTabSz="933450">
-            <a:lnSpc>
-              <a:spcPct val="90000"/>
-            </a:lnSpc>
-            <a:spcBef>
-              <a:spcPct val="0"/>
-            </a:spcBef>
-            <a:spcAft>
-              <a:spcPct val="35000"/>
-            </a:spcAft>
-          </a:pPr>
-          <a:r>
-            <a:rPr lang="en-US" sz="2100" kern="1200" dirty="0" smtClean="0"/>
-            <a:t>Analyze</a:t>
-          </a:r>
-          <a:endParaRPr lang="en-US" sz="2100" kern="1200" dirty="0"/>
-        </a:p>
-        <a:p>
-          <a:pPr marL="171450" lvl="1" indent="-171450" algn="l" defTabSz="711200">
-            <a:lnSpc>
-              <a:spcPct val="90000"/>
-            </a:lnSpc>
-            <a:spcBef>
-              <a:spcPct val="0"/>
-            </a:spcBef>
-            <a:spcAft>
-              <a:spcPct val="15000"/>
-            </a:spcAft>
-            <a:buChar char="••"/>
-          </a:pPr>
-          <a:r>
-            <a:rPr lang="en-US" sz="1600" kern="1200" dirty="0" smtClean="0"/>
-            <a:t>Testing tools for responsive design</a:t>
-          </a:r>
-          <a:endParaRPr lang="en-US" sz="1600" kern="1200" dirty="0"/>
-        </a:p>
-        <a:p>
-          <a:pPr marL="171450" lvl="1" indent="-171450" algn="l" defTabSz="711200">
-            <a:lnSpc>
-              <a:spcPct val="90000"/>
-            </a:lnSpc>
-            <a:spcBef>
-              <a:spcPct val="0"/>
-            </a:spcBef>
-            <a:spcAft>
-              <a:spcPct val="15000"/>
-            </a:spcAft>
-            <a:buChar char="••"/>
-          </a:pPr>
-          <a:r>
-            <a:rPr lang="en-US" sz="1600" kern="1200" dirty="0" smtClean="0"/>
-            <a:t>General web testing tools</a:t>
-          </a:r>
-          <a:endParaRPr lang="en-US" sz="1600" kern="1200" dirty="0"/>
-        </a:p>
-        <a:p>
-          <a:pPr marL="171450" lvl="1" indent="-171450" algn="l" defTabSz="711200">
-            <a:lnSpc>
-              <a:spcPct val="90000"/>
-            </a:lnSpc>
-            <a:spcBef>
-              <a:spcPct val="0"/>
-            </a:spcBef>
-            <a:spcAft>
-              <a:spcPct val="15000"/>
-            </a:spcAft>
-            <a:buChar char="••"/>
-          </a:pPr>
-          <a:r>
-            <a:rPr lang="en-US" sz="1600" kern="1200" dirty="0" smtClean="0"/>
-            <a:t>Find limitations</a:t>
-          </a:r>
-          <a:endParaRPr lang="en-US" sz="1600" kern="1200" dirty="0"/>
-        </a:p>
-        <a:p>
-          <a:pPr marL="171450" lvl="1" indent="-171450" algn="l" defTabSz="711200">
-            <a:lnSpc>
-              <a:spcPct val="90000"/>
-            </a:lnSpc>
-            <a:spcBef>
-              <a:spcPct val="0"/>
-            </a:spcBef>
-            <a:spcAft>
-              <a:spcPct val="15000"/>
-            </a:spcAft>
-            <a:buChar char="••"/>
-          </a:pPr>
-          <a:r>
-            <a:rPr lang="en-US" sz="1600" kern="1200" dirty="0" smtClean="0"/>
-            <a:t>Gather requirements for improvements</a:t>
-          </a:r>
-          <a:endParaRPr lang="en-US" sz="1600" kern="1200" dirty="0"/>
-        </a:p>
-      </dsp:txBody>
-      <dsp:txXfrm rot="5400000">
-        <a:off x="1090" y="769085"/>
-        <a:ext cx="2829594" cy="2307257"/>
-      </dsp:txXfrm>
-    </dsp:sp>
-    <dsp:sp modelId="{4A2757D9-EA3E-4300-9C07-77EBA31E4FE6}">
-      <dsp:nvSpPr>
-        <dsp:cNvPr id="0" name=""/>
-        <dsp:cNvSpPr/>
-      </dsp:nvSpPr>
-      <dsp:spPr>
-        <a:xfrm rot="16200000">
-          <a:off x="2534985" y="507917"/>
-          <a:ext cx="3845429" cy="2829594"/>
-        </a:xfrm>
-        <a:prstGeom prst="flowChartManualOperation">
-          <a:avLst/>
-        </a:prstGeom>
-        <a:gradFill rotWithShape="0">
-          <a:gsLst>
-            <a:gs pos="0">
-              <a:schemeClr val="accent1">
-                <a:shade val="80000"/>
-                <a:hueOff val="164162"/>
-                <a:satOff val="-7062"/>
-                <a:lumOff val="14007"/>
-                <a:alphaOff val="0"/>
-                <a:tint val="96000"/>
-                <a:lumMod val="104000"/>
-              </a:schemeClr>
-            </a:gs>
-            <a:gs pos="100000">
-              <a:schemeClr val="accent1">
-                <a:shade val="80000"/>
-                <a:hueOff val="164162"/>
-                <a:satOff val="-7062"/>
-                <a:lumOff val="14007"/>
-                <a:alphaOff val="0"/>
-                <a:shade val="98000"/>
-                <a:lumMod val="94000"/>
-              </a:schemeClr>
-            </a:gs>
-          </a:gsLst>
-          <a:lin ang="5400000" scaled="0"/>
-        </a:gradFill>
-        <a:ln>
-          <a:noFill/>
-        </a:ln>
-        <a:effectLst>
-          <a:outerShdw blurRad="50800" dist="38100" dir="5400000" rotWithShape="0">
-            <a:srgbClr val="000000">
-              <a:alpha val="60000"/>
-            </a:srgbClr>
-          </a:outerShdw>
-        </a:effectLst>
-      </dsp:spPr>
-      <dsp:style>
-        <a:lnRef idx="0">
-          <a:scrgbClr r="0" g="0" b="0"/>
-        </a:lnRef>
-        <a:fillRef idx="3">
-          <a:scrgbClr r="0" g="0" b="0"/>
-        </a:fillRef>
-        <a:effectRef idx="3">
-          <a:scrgbClr r="0" g="0" b="0"/>
-        </a:effectRef>
-        <a:fontRef idx="minor">
-          <a:schemeClr val="lt1"/>
-        </a:fontRef>
-      </dsp:style>
-      <dsp:txBody>
-        <a:bodyPr spcFirstLastPara="0" vert="horz" wrap="square" lIns="133350" tIns="0" rIns="134476" bIns="0" numCol="1" spcCol="1270" anchor="t" anchorCtr="0">
-          <a:noAutofit/>
-        </a:bodyPr>
-        <a:lstStyle/>
-        <a:p>
-          <a:pPr lvl="0" algn="l" defTabSz="933450">
-            <a:lnSpc>
-              <a:spcPct val="90000"/>
-            </a:lnSpc>
-            <a:spcBef>
-              <a:spcPct val="0"/>
-            </a:spcBef>
-            <a:spcAft>
-              <a:spcPct val="35000"/>
-            </a:spcAft>
-          </a:pPr>
-          <a:r>
-            <a:rPr lang="en-US" sz="2100" kern="1200" dirty="0" smtClean="0"/>
-            <a:t>Design and Implement</a:t>
-          </a:r>
-          <a:endParaRPr lang="en-US" sz="2100" kern="1200" dirty="0"/>
-        </a:p>
-        <a:p>
-          <a:pPr marL="171450" lvl="1" indent="-171450" algn="l" defTabSz="711200">
-            <a:lnSpc>
-              <a:spcPct val="90000"/>
-            </a:lnSpc>
-            <a:spcBef>
-              <a:spcPct val="0"/>
-            </a:spcBef>
-            <a:spcAft>
-              <a:spcPct val="15000"/>
-            </a:spcAft>
-            <a:buChar char="••"/>
-          </a:pPr>
-          <a:r>
-            <a:rPr lang="en-US" sz="1600" kern="1200" dirty="0" smtClean="0"/>
-            <a:t>Set of tools for simplifying cross-device application testing</a:t>
-          </a:r>
-          <a:endParaRPr lang="en-US" sz="1600" kern="1200" dirty="0"/>
-        </a:p>
-        <a:p>
-          <a:pPr marL="171450" lvl="1" indent="-171450" algn="l" defTabSz="711200">
-            <a:lnSpc>
-              <a:spcPct val="90000"/>
-            </a:lnSpc>
-            <a:spcBef>
-              <a:spcPct val="0"/>
-            </a:spcBef>
-            <a:spcAft>
-              <a:spcPct val="15000"/>
-            </a:spcAft>
-            <a:buChar char="••"/>
-          </a:pPr>
-          <a:r>
-            <a:rPr lang="en-US" sz="1600" kern="1200" dirty="0" smtClean="0"/>
-            <a:t>Based on requirements gathered during analysis</a:t>
-          </a:r>
-          <a:endParaRPr lang="en-US" sz="1600" kern="1200" dirty="0"/>
-        </a:p>
-      </dsp:txBody>
-      <dsp:txXfrm rot="5400000">
-        <a:off x="3042903" y="769085"/>
-        <a:ext cx="2829594" cy="2307257"/>
-      </dsp:txXfrm>
-    </dsp:sp>
-    <dsp:sp modelId="{CB3970F5-4B46-4D03-9416-FEB9FF6AB152}">
-      <dsp:nvSpPr>
-        <dsp:cNvPr id="0" name=""/>
-        <dsp:cNvSpPr/>
-      </dsp:nvSpPr>
-      <dsp:spPr>
-        <a:xfrm rot="16200000">
-          <a:off x="5576799" y="507917"/>
-          <a:ext cx="3845429" cy="2829594"/>
-        </a:xfrm>
-        <a:prstGeom prst="flowChartManualOperation">
-          <a:avLst/>
-        </a:prstGeom>
-        <a:noFill/>
-        <a:ln>
-          <a:noFill/>
-        </a:ln>
-        <a:effectLst>
-          <a:outerShdw blurRad="50800" dist="38100" dir="5400000" rotWithShape="0">
-            <a:srgbClr val="000000">
-              <a:alpha val="60000"/>
-            </a:srgbClr>
-          </a:outerShdw>
-        </a:effectLst>
-      </dsp:spPr>
-      <dsp:style>
-        <a:lnRef idx="0">
-          <a:scrgbClr r="0" g="0" b="0"/>
-        </a:lnRef>
-        <a:fillRef idx="3">
-          <a:scrgbClr r="0" g="0" b="0"/>
-        </a:fillRef>
-        <a:effectRef idx="3">
-          <a:scrgbClr r="0" g="0" b="0"/>
-        </a:effectRef>
-        <a:fontRef idx="minor">
-          <a:schemeClr val="lt1"/>
-        </a:fontRef>
-      </dsp:style>
-      <dsp:txBody>
-        <a:bodyPr spcFirstLastPara="0" vert="horz" wrap="square" lIns="133350" tIns="0" rIns="134476" bIns="0" numCol="1" spcCol="1270" anchor="ctr" anchorCtr="0">
-          <a:noAutofit/>
-        </a:bodyPr>
-        <a:lstStyle/>
-        <a:p>
-          <a:pPr lvl="0" algn="ctr" defTabSz="933450">
-            <a:lnSpc>
-              <a:spcPct val="90000"/>
-            </a:lnSpc>
-            <a:spcBef>
-              <a:spcPct val="0"/>
-            </a:spcBef>
-            <a:spcAft>
-              <a:spcPct val="35000"/>
-            </a:spcAft>
-          </a:pPr>
-          <a:endParaRPr lang="en-US" sz="2100" kern="1200" dirty="0"/>
-        </a:p>
-      </dsp:txBody>
-      <dsp:txXfrm rot="5400000">
-        <a:off x="6084717" y="769085"/>
-        <a:ext cx="2829594" cy="2307257"/>
-      </dsp:txXfrm>
-    </dsp:sp>
   </dsp:spTree>
 </dsp:drawing>
 </file>
@@ -7921,421 +7258,6 @@
       <dsp:cNvGrpSpPr/>
     </dsp:nvGrpSpPr>
     <dsp:grpSpPr/>
-    <dsp:sp modelId="{475E8E10-321D-43CB-9FBE-E21B12C6A7FB}">
-      <dsp:nvSpPr>
-        <dsp:cNvPr id="0" name=""/>
-        <dsp:cNvSpPr/>
-      </dsp:nvSpPr>
-      <dsp:spPr>
-        <a:xfrm rot="16200000">
-          <a:off x="-506828" y="507917"/>
-          <a:ext cx="3845429" cy="2829594"/>
-        </a:xfrm>
-        <a:prstGeom prst="flowChartManualOperation">
-          <a:avLst/>
-        </a:prstGeom>
-        <a:gradFill rotWithShape="0">
-          <a:gsLst>
-            <a:gs pos="0">
-              <a:schemeClr val="accent1">
-                <a:shade val="80000"/>
-                <a:hueOff val="0"/>
-                <a:satOff val="0"/>
-                <a:lumOff val="0"/>
-                <a:alphaOff val="0"/>
-                <a:tint val="96000"/>
-                <a:lumMod val="104000"/>
-              </a:schemeClr>
-            </a:gs>
-            <a:gs pos="100000">
-              <a:schemeClr val="accent1">
-                <a:shade val="80000"/>
-                <a:hueOff val="0"/>
-                <a:satOff val="0"/>
-                <a:lumOff val="0"/>
-                <a:alphaOff val="0"/>
-                <a:shade val="98000"/>
-                <a:lumMod val="94000"/>
-              </a:schemeClr>
-            </a:gs>
-          </a:gsLst>
-          <a:lin ang="5400000" scaled="0"/>
-        </a:gradFill>
-        <a:ln>
-          <a:noFill/>
-        </a:ln>
-        <a:effectLst>
-          <a:outerShdw blurRad="50800" dist="38100" dir="5400000" rotWithShape="0">
-            <a:srgbClr val="000000">
-              <a:alpha val="60000"/>
-            </a:srgbClr>
-          </a:outerShdw>
-        </a:effectLst>
-      </dsp:spPr>
-      <dsp:style>
-        <a:lnRef idx="0">
-          <a:scrgbClr r="0" g="0" b="0"/>
-        </a:lnRef>
-        <a:fillRef idx="3">
-          <a:scrgbClr r="0" g="0" b="0"/>
-        </a:fillRef>
-        <a:effectRef idx="3">
-          <a:scrgbClr r="0" g="0" b="0"/>
-        </a:effectRef>
-        <a:fontRef idx="minor">
-          <a:schemeClr val="lt1"/>
-        </a:fontRef>
-      </dsp:style>
-      <dsp:txBody>
-        <a:bodyPr spcFirstLastPara="0" vert="horz" wrap="square" lIns="133350" tIns="0" rIns="134476" bIns="0" numCol="1" spcCol="1270" anchor="t" anchorCtr="0">
-          <a:noAutofit/>
-        </a:bodyPr>
-        <a:lstStyle/>
-        <a:p>
-          <a:pPr lvl="0" algn="l" defTabSz="933450">
-            <a:lnSpc>
-              <a:spcPct val="90000"/>
-            </a:lnSpc>
-            <a:spcBef>
-              <a:spcPct val="0"/>
-            </a:spcBef>
-            <a:spcAft>
-              <a:spcPct val="35000"/>
-            </a:spcAft>
-          </a:pPr>
-          <a:r>
-            <a:rPr lang="en-US" sz="2100" kern="1200" dirty="0" smtClean="0"/>
-            <a:t>Analyze</a:t>
-          </a:r>
-          <a:endParaRPr lang="en-US" sz="2100" kern="1200" dirty="0"/>
-        </a:p>
-        <a:p>
-          <a:pPr marL="171450" lvl="1" indent="-171450" algn="l" defTabSz="711200">
-            <a:lnSpc>
-              <a:spcPct val="90000"/>
-            </a:lnSpc>
-            <a:spcBef>
-              <a:spcPct val="0"/>
-            </a:spcBef>
-            <a:spcAft>
-              <a:spcPct val="15000"/>
-            </a:spcAft>
-            <a:buChar char="••"/>
-          </a:pPr>
-          <a:r>
-            <a:rPr lang="en-US" sz="1600" kern="1200" dirty="0" smtClean="0"/>
-            <a:t>Testing tools for responsive design</a:t>
-          </a:r>
-          <a:endParaRPr lang="en-US" sz="1600" kern="1200" dirty="0"/>
-        </a:p>
-        <a:p>
-          <a:pPr marL="171450" lvl="1" indent="-171450" algn="l" defTabSz="711200">
-            <a:lnSpc>
-              <a:spcPct val="90000"/>
-            </a:lnSpc>
-            <a:spcBef>
-              <a:spcPct val="0"/>
-            </a:spcBef>
-            <a:spcAft>
-              <a:spcPct val="15000"/>
-            </a:spcAft>
-            <a:buChar char="••"/>
-          </a:pPr>
-          <a:r>
-            <a:rPr lang="en-US" sz="1600" kern="1200" dirty="0" smtClean="0"/>
-            <a:t>General web testing tools</a:t>
-          </a:r>
-          <a:endParaRPr lang="en-US" sz="1600" kern="1200" dirty="0"/>
-        </a:p>
-        <a:p>
-          <a:pPr marL="171450" lvl="1" indent="-171450" algn="l" defTabSz="711200">
-            <a:lnSpc>
-              <a:spcPct val="90000"/>
-            </a:lnSpc>
-            <a:spcBef>
-              <a:spcPct val="0"/>
-            </a:spcBef>
-            <a:spcAft>
-              <a:spcPct val="15000"/>
-            </a:spcAft>
-            <a:buChar char="••"/>
-          </a:pPr>
-          <a:r>
-            <a:rPr lang="en-US" sz="1600" kern="1200" dirty="0" smtClean="0"/>
-            <a:t>Find limitations</a:t>
-          </a:r>
-          <a:endParaRPr lang="en-US" sz="1600" kern="1200" dirty="0"/>
-        </a:p>
-        <a:p>
-          <a:pPr marL="171450" lvl="1" indent="-171450" algn="l" defTabSz="711200">
-            <a:lnSpc>
-              <a:spcPct val="90000"/>
-            </a:lnSpc>
-            <a:spcBef>
-              <a:spcPct val="0"/>
-            </a:spcBef>
-            <a:spcAft>
-              <a:spcPct val="15000"/>
-            </a:spcAft>
-            <a:buChar char="••"/>
-          </a:pPr>
-          <a:r>
-            <a:rPr lang="en-US" sz="1600" kern="1200" dirty="0" smtClean="0"/>
-            <a:t>Gather requirements for improvements</a:t>
-          </a:r>
-          <a:endParaRPr lang="en-US" sz="1600" kern="1200" dirty="0"/>
-        </a:p>
-      </dsp:txBody>
-      <dsp:txXfrm rot="5400000">
-        <a:off x="1090" y="769085"/>
-        <a:ext cx="2829594" cy="2307257"/>
-      </dsp:txXfrm>
-    </dsp:sp>
-    <dsp:sp modelId="{4A2757D9-EA3E-4300-9C07-77EBA31E4FE6}">
-      <dsp:nvSpPr>
-        <dsp:cNvPr id="0" name=""/>
-        <dsp:cNvSpPr/>
-      </dsp:nvSpPr>
-      <dsp:spPr>
-        <a:xfrm rot="16200000">
-          <a:off x="2534985" y="507917"/>
-          <a:ext cx="3845429" cy="2829594"/>
-        </a:xfrm>
-        <a:prstGeom prst="flowChartManualOperation">
-          <a:avLst/>
-        </a:prstGeom>
-        <a:gradFill rotWithShape="0">
-          <a:gsLst>
-            <a:gs pos="0">
-              <a:schemeClr val="accent1">
-                <a:shade val="80000"/>
-                <a:hueOff val="164162"/>
-                <a:satOff val="-7062"/>
-                <a:lumOff val="14007"/>
-                <a:alphaOff val="0"/>
-                <a:tint val="96000"/>
-                <a:lumMod val="104000"/>
-              </a:schemeClr>
-            </a:gs>
-            <a:gs pos="100000">
-              <a:schemeClr val="accent1">
-                <a:shade val="80000"/>
-                <a:hueOff val="164162"/>
-                <a:satOff val="-7062"/>
-                <a:lumOff val="14007"/>
-                <a:alphaOff val="0"/>
-                <a:shade val="98000"/>
-                <a:lumMod val="94000"/>
-              </a:schemeClr>
-            </a:gs>
-          </a:gsLst>
-          <a:lin ang="5400000" scaled="0"/>
-        </a:gradFill>
-        <a:ln>
-          <a:noFill/>
-        </a:ln>
-        <a:effectLst>
-          <a:outerShdw blurRad="50800" dist="38100" dir="5400000" rotWithShape="0">
-            <a:srgbClr val="000000">
-              <a:alpha val="60000"/>
-            </a:srgbClr>
-          </a:outerShdw>
-        </a:effectLst>
-      </dsp:spPr>
-      <dsp:style>
-        <a:lnRef idx="0">
-          <a:scrgbClr r="0" g="0" b="0"/>
-        </a:lnRef>
-        <a:fillRef idx="3">
-          <a:scrgbClr r="0" g="0" b="0"/>
-        </a:fillRef>
-        <a:effectRef idx="3">
-          <a:scrgbClr r="0" g="0" b="0"/>
-        </a:effectRef>
-        <a:fontRef idx="minor">
-          <a:schemeClr val="lt1"/>
-        </a:fontRef>
-      </dsp:style>
-      <dsp:txBody>
-        <a:bodyPr spcFirstLastPara="0" vert="horz" wrap="square" lIns="133350" tIns="0" rIns="134476" bIns="0" numCol="1" spcCol="1270" anchor="t" anchorCtr="0">
-          <a:noAutofit/>
-        </a:bodyPr>
-        <a:lstStyle/>
-        <a:p>
-          <a:pPr lvl="0" algn="l" defTabSz="933450">
-            <a:lnSpc>
-              <a:spcPct val="90000"/>
-            </a:lnSpc>
-            <a:spcBef>
-              <a:spcPct val="0"/>
-            </a:spcBef>
-            <a:spcAft>
-              <a:spcPct val="35000"/>
-            </a:spcAft>
-          </a:pPr>
-          <a:r>
-            <a:rPr lang="en-US" sz="2100" kern="1200" dirty="0" smtClean="0"/>
-            <a:t>Design and Implement</a:t>
-          </a:r>
-          <a:endParaRPr lang="en-US" sz="2100" kern="1200" dirty="0"/>
-        </a:p>
-        <a:p>
-          <a:pPr marL="171450" lvl="1" indent="-171450" algn="l" defTabSz="711200">
-            <a:lnSpc>
-              <a:spcPct val="90000"/>
-            </a:lnSpc>
-            <a:spcBef>
-              <a:spcPct val="0"/>
-            </a:spcBef>
-            <a:spcAft>
-              <a:spcPct val="15000"/>
-            </a:spcAft>
-            <a:buChar char="••"/>
-          </a:pPr>
-          <a:r>
-            <a:rPr lang="en-US" sz="1600" kern="1200" dirty="0" smtClean="0"/>
-            <a:t>Set of tools for simplifying cross-device application testing</a:t>
-          </a:r>
-          <a:endParaRPr lang="en-US" sz="1600" kern="1200" dirty="0"/>
-        </a:p>
-        <a:p>
-          <a:pPr marL="171450" lvl="1" indent="-171450" algn="l" defTabSz="711200">
-            <a:lnSpc>
-              <a:spcPct val="90000"/>
-            </a:lnSpc>
-            <a:spcBef>
-              <a:spcPct val="0"/>
-            </a:spcBef>
-            <a:spcAft>
-              <a:spcPct val="15000"/>
-            </a:spcAft>
-            <a:buChar char="••"/>
-          </a:pPr>
-          <a:r>
-            <a:rPr lang="en-US" sz="1600" kern="1200" dirty="0" smtClean="0"/>
-            <a:t>Based on requirements gathered during analysis</a:t>
-          </a:r>
-          <a:endParaRPr lang="en-US" sz="1600" kern="1200" dirty="0"/>
-        </a:p>
-      </dsp:txBody>
-      <dsp:txXfrm rot="5400000">
-        <a:off x="3042903" y="769085"/>
-        <a:ext cx="2829594" cy="2307257"/>
-      </dsp:txXfrm>
-    </dsp:sp>
-    <dsp:sp modelId="{CB3970F5-4B46-4D03-9416-FEB9FF6AB152}">
-      <dsp:nvSpPr>
-        <dsp:cNvPr id="0" name=""/>
-        <dsp:cNvSpPr/>
-      </dsp:nvSpPr>
-      <dsp:spPr>
-        <a:xfrm rot="16200000">
-          <a:off x="5576799" y="507917"/>
-          <a:ext cx="3845429" cy="2829594"/>
-        </a:xfrm>
-        <a:prstGeom prst="flowChartManualOperation">
-          <a:avLst/>
-        </a:prstGeom>
-        <a:gradFill rotWithShape="0">
-          <a:gsLst>
-            <a:gs pos="0">
-              <a:schemeClr val="accent1">
-                <a:shade val="80000"/>
-                <a:hueOff val="328325"/>
-                <a:satOff val="-14124"/>
-                <a:lumOff val="28014"/>
-                <a:alphaOff val="0"/>
-                <a:tint val="96000"/>
-                <a:lumMod val="104000"/>
-              </a:schemeClr>
-            </a:gs>
-            <a:gs pos="100000">
-              <a:schemeClr val="accent1">
-                <a:shade val="80000"/>
-                <a:hueOff val="328325"/>
-                <a:satOff val="-14124"/>
-                <a:lumOff val="28014"/>
-                <a:alphaOff val="0"/>
-                <a:shade val="98000"/>
-                <a:lumMod val="94000"/>
-              </a:schemeClr>
-            </a:gs>
-          </a:gsLst>
-          <a:lin ang="5400000" scaled="0"/>
-        </a:gradFill>
-        <a:ln>
-          <a:noFill/>
-        </a:ln>
-        <a:effectLst>
-          <a:outerShdw blurRad="50800" dist="38100" dir="5400000" rotWithShape="0">
-            <a:srgbClr val="000000">
-              <a:alpha val="60000"/>
-            </a:srgbClr>
-          </a:outerShdw>
-        </a:effectLst>
-      </dsp:spPr>
-      <dsp:style>
-        <a:lnRef idx="0">
-          <a:scrgbClr r="0" g="0" b="0"/>
-        </a:lnRef>
-        <a:fillRef idx="3">
-          <a:scrgbClr r="0" g="0" b="0"/>
-        </a:fillRef>
-        <a:effectRef idx="3">
-          <a:scrgbClr r="0" g="0" b="0"/>
-        </a:effectRef>
-        <a:fontRef idx="minor">
-          <a:schemeClr val="lt1"/>
-        </a:fontRef>
-      </dsp:style>
-      <dsp:txBody>
-        <a:bodyPr spcFirstLastPara="0" vert="horz" wrap="square" lIns="133350" tIns="0" rIns="134476" bIns="0" numCol="1" spcCol="1270" anchor="t" anchorCtr="0">
-          <a:noAutofit/>
-        </a:bodyPr>
-        <a:lstStyle/>
-        <a:p>
-          <a:pPr lvl="0" algn="l" defTabSz="933450">
-            <a:lnSpc>
-              <a:spcPct val="90000"/>
-            </a:lnSpc>
-            <a:spcBef>
-              <a:spcPct val="0"/>
-            </a:spcBef>
-            <a:spcAft>
-              <a:spcPct val="35000"/>
-            </a:spcAft>
-          </a:pPr>
-          <a:r>
-            <a:rPr lang="en-US" sz="2100" kern="1200" dirty="0" smtClean="0"/>
-            <a:t>User Study</a:t>
-          </a:r>
-          <a:endParaRPr lang="en-US" sz="2100" kern="1200" dirty="0"/>
-        </a:p>
-        <a:p>
-          <a:pPr marL="171450" lvl="1" indent="-171450" algn="l" defTabSz="711200">
-            <a:lnSpc>
-              <a:spcPct val="90000"/>
-            </a:lnSpc>
-            <a:spcBef>
-              <a:spcPct val="0"/>
-            </a:spcBef>
-            <a:spcAft>
-              <a:spcPct val="15000"/>
-            </a:spcAft>
-            <a:buChar char="••"/>
-          </a:pPr>
-          <a:r>
-            <a:rPr lang="en-US" sz="1600" kern="1200" dirty="0" smtClean="0"/>
-            <a:t>Test the suitability and quality of the tools</a:t>
-          </a:r>
-          <a:endParaRPr lang="en-US" sz="1600" kern="1200" dirty="0"/>
-        </a:p>
-      </dsp:txBody>
-      <dsp:txXfrm rot="5400000">
-        <a:off x="6084717" y="769085"/>
-        <a:ext cx="2829594" cy="2307257"/>
-      </dsp:txXfrm>
-    </dsp:sp>
   </dsp:spTree>
 </dsp:drawing>
 </file>
@@ -8348,698 +7270,6 @@
       <dsp:cNvGrpSpPr/>
     </dsp:nvGrpSpPr>
     <dsp:grpSpPr/>
-    <dsp:sp modelId="{9A525D47-14B2-4F0B-85D8-FD3EB0402421}">
-      <dsp:nvSpPr>
-        <dsp:cNvPr id="0" name=""/>
-        <dsp:cNvSpPr/>
-      </dsp:nvSpPr>
-      <dsp:spPr>
-        <a:xfrm rot="5400000">
-          <a:off x="360000" y="1077124"/>
-          <a:ext cx="945949" cy="1076930"/>
-        </a:xfrm>
-        <a:prstGeom prst="bentUpArrow">
-          <a:avLst>
-            <a:gd name="adj1" fmla="val 32840"/>
-            <a:gd name="adj2" fmla="val 25000"/>
-            <a:gd name="adj3" fmla="val 35780"/>
-          </a:avLst>
-        </a:prstGeom>
-        <a:solidFill>
-          <a:schemeClr val="accent1">
-            <a:tint val="50000"/>
-            <a:hueOff val="0"/>
-            <a:satOff val="0"/>
-            <a:lumOff val="0"/>
-            <a:alphaOff val="0"/>
-          </a:schemeClr>
-        </a:solidFill>
-        <a:ln w="15875" cap="rnd" cmpd="sng" algn="ctr">
-          <a:solidFill>
-            <a:schemeClr val="lt1">
-              <a:hueOff val="0"/>
-              <a:satOff val="0"/>
-              <a:lumOff val="0"/>
-              <a:alphaOff val="0"/>
-            </a:schemeClr>
-          </a:solidFill>
-          <a:prstDash val="solid"/>
-        </a:ln>
-        <a:effectLst/>
-      </dsp:spPr>
-      <dsp:style>
-        <a:lnRef idx="2">
-          <a:scrgbClr r="0" g="0" b="0"/>
-        </a:lnRef>
-        <a:fillRef idx="1">
-          <a:scrgbClr r="0" g="0" b="0"/>
-        </a:fillRef>
-        <a:effectRef idx="0">
-          <a:scrgbClr r="0" g="0" b="0"/>
-        </a:effectRef>
-        <a:fontRef idx="minor"/>
-      </dsp:style>
-    </dsp:sp>
-    <dsp:sp modelId="{2BE033E5-5E65-4ABF-9D27-5FFF8CF71BCD}">
-      <dsp:nvSpPr>
-        <dsp:cNvPr id="0" name=""/>
-        <dsp:cNvSpPr/>
-      </dsp:nvSpPr>
-      <dsp:spPr>
-        <a:xfrm>
-          <a:off x="7" y="28520"/>
-          <a:ext cx="1592422" cy="1114644"/>
-        </a:xfrm>
-        <a:prstGeom prst="roundRect">
-          <a:avLst>
-            <a:gd name="adj" fmla="val 16670"/>
-          </a:avLst>
-        </a:prstGeom>
-        <a:solidFill>
-          <a:schemeClr val="accent1">
-            <a:hueOff val="0"/>
-            <a:satOff val="0"/>
-            <a:lumOff val="0"/>
-            <a:alphaOff val="0"/>
-          </a:schemeClr>
-        </a:solidFill>
-        <a:ln w="15875" cap="rnd" cmpd="sng" algn="ctr">
-          <a:solidFill>
-            <a:schemeClr val="lt1">
-              <a:hueOff val="0"/>
-              <a:satOff val="0"/>
-              <a:lumOff val="0"/>
-              <a:alphaOff val="0"/>
-            </a:schemeClr>
-          </a:solidFill>
-          <a:prstDash val="solid"/>
-        </a:ln>
-        <a:effectLst/>
-      </dsp:spPr>
-      <dsp:style>
-        <a:lnRef idx="2">
-          <a:scrgbClr r="0" g="0" b="0"/>
-        </a:lnRef>
-        <a:fillRef idx="1">
-          <a:scrgbClr r="0" g="0" b="0"/>
-        </a:fillRef>
-        <a:effectRef idx="0">
-          <a:scrgbClr r="0" g="0" b="0"/>
-        </a:effectRef>
-        <a:fontRef idx="minor">
-          <a:schemeClr val="lt1"/>
-        </a:fontRef>
-      </dsp:style>
-      <dsp:txBody>
-        <a:bodyPr spcFirstLastPara="0" vert="horz" wrap="square" lIns="80010" tIns="80010" rIns="80010" bIns="80010" numCol="1" spcCol="1270" anchor="ctr" anchorCtr="0">
-          <a:noAutofit/>
-        </a:bodyPr>
-        <a:lstStyle/>
-        <a:p>
-          <a:pPr lvl="0" algn="ctr" defTabSz="933450">
-            <a:lnSpc>
-              <a:spcPct val="90000"/>
-            </a:lnSpc>
-            <a:spcBef>
-              <a:spcPct val="0"/>
-            </a:spcBef>
-            <a:spcAft>
-              <a:spcPct val="35000"/>
-            </a:spcAft>
-          </a:pPr>
-          <a:r>
-            <a:rPr lang="en-US" sz="2100" kern="1200" dirty="0" smtClean="0"/>
-            <a:t>Record sequence</a:t>
-          </a:r>
-          <a:endParaRPr lang="de-CH" sz="2100" kern="1200" dirty="0"/>
-        </a:p>
-      </dsp:txBody>
-      <dsp:txXfrm>
-        <a:off x="54429" y="82942"/>
-        <a:ext cx="1483578" cy="1005800"/>
-      </dsp:txXfrm>
-    </dsp:sp>
-    <dsp:sp modelId="{D4EFC377-AFF7-4383-8611-A4AC615569BE}">
-      <dsp:nvSpPr>
-        <dsp:cNvPr id="0" name=""/>
-        <dsp:cNvSpPr/>
-      </dsp:nvSpPr>
-      <dsp:spPr>
-        <a:xfrm>
-          <a:off x="1583995" y="140782"/>
-          <a:ext cx="2762331" cy="900904"/>
-        </a:xfrm>
-        <a:prstGeom prst="rect">
-          <a:avLst/>
-        </a:prstGeom>
-        <a:noFill/>
-        <a:ln>
-          <a:noFill/>
-        </a:ln>
-        <a:effectLst/>
-      </dsp:spPr>
-      <dsp:style>
-        <a:lnRef idx="0">
-          <a:scrgbClr r="0" g="0" b="0"/>
-        </a:lnRef>
-        <a:fillRef idx="0">
-          <a:scrgbClr r="0" g="0" b="0"/>
-        </a:fillRef>
-        <a:effectRef idx="0">
-          <a:scrgbClr r="0" g="0" b="0"/>
-        </a:effectRef>
-        <a:fontRef idx="minor"/>
-      </dsp:style>
-      <dsp:txBody>
-        <a:bodyPr spcFirstLastPara="0" vert="horz" wrap="square" lIns="68580" tIns="68580" rIns="68580" bIns="68580" numCol="1" spcCol="1270" anchor="ctr" anchorCtr="0">
-          <a:noAutofit/>
-        </a:bodyPr>
-        <a:lstStyle/>
-        <a:p>
-          <a:pPr marL="171450" lvl="1" indent="-171450" algn="l" defTabSz="800100">
-            <a:lnSpc>
-              <a:spcPct val="90000"/>
-            </a:lnSpc>
-            <a:spcBef>
-              <a:spcPct val="0"/>
-            </a:spcBef>
-            <a:spcAft>
-              <a:spcPct val="15000"/>
-            </a:spcAft>
-            <a:buChar char="••"/>
-          </a:pPr>
-          <a:r>
-            <a:rPr lang="en-US" sz="1800" kern="1200" dirty="0" smtClean="0"/>
-            <a:t>On emulated device</a:t>
-          </a:r>
-          <a:endParaRPr lang="de-CH" sz="1800" kern="1200" dirty="0"/>
-        </a:p>
-      </dsp:txBody>
-      <dsp:txXfrm>
-        <a:off x="1583995" y="140782"/>
-        <a:ext cx="2762331" cy="900904"/>
-      </dsp:txXfrm>
-    </dsp:sp>
-    <dsp:sp modelId="{6FB92FAA-8355-4FEC-9356-67979D72B354}">
-      <dsp:nvSpPr>
-        <dsp:cNvPr id="0" name=""/>
-        <dsp:cNvSpPr/>
-      </dsp:nvSpPr>
-      <dsp:spPr>
-        <a:xfrm rot="5400000">
-          <a:off x="2160003" y="2329238"/>
-          <a:ext cx="945949" cy="1076930"/>
-        </a:xfrm>
-        <a:prstGeom prst="bentUpArrow">
-          <a:avLst>
-            <a:gd name="adj1" fmla="val 32840"/>
-            <a:gd name="adj2" fmla="val 25000"/>
-            <a:gd name="adj3" fmla="val 35780"/>
-          </a:avLst>
-        </a:prstGeom>
-        <a:noFill/>
-        <a:ln w="15875" cap="rnd" cmpd="sng" algn="ctr">
-          <a:noFill/>
-          <a:prstDash val="solid"/>
-        </a:ln>
-        <a:effectLst/>
-      </dsp:spPr>
-      <dsp:style>
-        <a:lnRef idx="2">
-          <a:scrgbClr r="0" g="0" b="0"/>
-        </a:lnRef>
-        <a:fillRef idx="1">
-          <a:scrgbClr r="0" g="0" b="0"/>
-        </a:fillRef>
-        <a:effectRef idx="0">
-          <a:scrgbClr r="0" g="0" b="0"/>
-        </a:effectRef>
-        <a:fontRef idx="minor"/>
-      </dsp:style>
-    </dsp:sp>
-    <dsp:sp modelId="{CCCE12E7-E5B8-4F58-8431-0C12B0F81C58}">
-      <dsp:nvSpPr>
-        <dsp:cNvPr id="0" name=""/>
-        <dsp:cNvSpPr/>
-      </dsp:nvSpPr>
-      <dsp:spPr>
-        <a:xfrm>
-          <a:off x="1799996" y="1280633"/>
-          <a:ext cx="1592422" cy="1114644"/>
-        </a:xfrm>
-        <a:prstGeom prst="roundRect">
-          <a:avLst>
-            <a:gd name="adj" fmla="val 16670"/>
-          </a:avLst>
-        </a:prstGeom>
-        <a:noFill/>
-        <a:ln w="15875" cap="rnd" cmpd="sng" algn="ctr">
-          <a:noFill/>
-          <a:prstDash val="solid"/>
-        </a:ln>
-        <a:effectLst/>
-      </dsp:spPr>
-      <dsp:style>
-        <a:lnRef idx="2">
-          <a:scrgbClr r="0" g="0" b="0"/>
-        </a:lnRef>
-        <a:fillRef idx="1">
-          <a:scrgbClr r="0" g="0" b="0"/>
-        </a:fillRef>
-        <a:effectRef idx="0">
-          <a:scrgbClr r="0" g="0" b="0"/>
-        </a:effectRef>
-        <a:fontRef idx="minor">
-          <a:schemeClr val="lt1"/>
-        </a:fontRef>
-      </dsp:style>
-      <dsp:txBody>
-        <a:bodyPr spcFirstLastPara="0" vert="horz" wrap="square" lIns="80010" tIns="80010" rIns="80010" bIns="80010" numCol="1" spcCol="1270" anchor="ctr" anchorCtr="0">
-          <a:noAutofit/>
-        </a:bodyPr>
-        <a:lstStyle/>
-        <a:p>
-          <a:pPr lvl="0" algn="ctr" defTabSz="933450">
-            <a:lnSpc>
-              <a:spcPct val="90000"/>
-            </a:lnSpc>
-            <a:spcBef>
-              <a:spcPct val="0"/>
-            </a:spcBef>
-            <a:spcAft>
-              <a:spcPct val="35000"/>
-            </a:spcAft>
-          </a:pPr>
-          <a:r>
-            <a:rPr lang="en-US" sz="2100" kern="1200" dirty="0" smtClean="0"/>
-            <a:t> </a:t>
-          </a:r>
-          <a:endParaRPr lang="de-CH" sz="2100" kern="1200" dirty="0"/>
-        </a:p>
-      </dsp:txBody>
-      <dsp:txXfrm>
-        <a:off x="1854418" y="1335055"/>
-        <a:ext cx="1483578" cy="1005800"/>
-      </dsp:txXfrm>
-    </dsp:sp>
-    <dsp:sp modelId="{C60AB0D8-72C7-45B2-B090-B32ABD564FCD}">
-      <dsp:nvSpPr>
-        <dsp:cNvPr id="0" name=""/>
-        <dsp:cNvSpPr/>
-      </dsp:nvSpPr>
-      <dsp:spPr>
-        <a:xfrm>
-          <a:off x="3384002" y="1398940"/>
-          <a:ext cx="4672500" cy="900904"/>
-        </a:xfrm>
-        <a:prstGeom prst="rect">
-          <a:avLst/>
-        </a:prstGeom>
-        <a:noFill/>
-        <a:ln>
-          <a:noFill/>
-        </a:ln>
-        <a:effectLst/>
-      </dsp:spPr>
-      <dsp:style>
-        <a:lnRef idx="0">
-          <a:scrgbClr r="0" g="0" b="0"/>
-        </a:lnRef>
-        <a:fillRef idx="0">
-          <a:scrgbClr r="0" g="0" b="0"/>
-        </a:fillRef>
-        <a:effectRef idx="0">
-          <a:scrgbClr r="0" g="0" b="0"/>
-        </a:effectRef>
-        <a:fontRef idx="minor"/>
-      </dsp:style>
-      <dsp:txBody>
-        <a:bodyPr spcFirstLastPara="0" vert="horz" wrap="square" lIns="68580" tIns="68580" rIns="68580" bIns="68580" numCol="1" spcCol="1270" anchor="ctr" anchorCtr="0">
-          <a:noAutofit/>
-        </a:bodyPr>
-        <a:lstStyle/>
-        <a:p>
-          <a:pPr marL="171450" lvl="1" indent="-171450" algn="l" defTabSz="800100">
-            <a:lnSpc>
-              <a:spcPct val="90000"/>
-            </a:lnSpc>
-            <a:spcBef>
-              <a:spcPct val="0"/>
-            </a:spcBef>
-            <a:spcAft>
-              <a:spcPct val="15000"/>
-            </a:spcAft>
-            <a:buChar char="••"/>
-          </a:pPr>
-          <a:endParaRPr lang="de-CH" sz="1800" kern="1200" dirty="0"/>
-        </a:p>
-        <a:p>
-          <a:pPr marL="171450" lvl="1" indent="-171450" algn="l" defTabSz="800100">
-            <a:lnSpc>
-              <a:spcPct val="90000"/>
-            </a:lnSpc>
-            <a:spcBef>
-              <a:spcPct val="0"/>
-            </a:spcBef>
-            <a:spcAft>
-              <a:spcPct val="15000"/>
-            </a:spcAft>
-            <a:buChar char="••"/>
-          </a:pPr>
-          <a:endParaRPr lang="de-CH" sz="1800" kern="1200" dirty="0"/>
-        </a:p>
-        <a:p>
-          <a:pPr marL="171450" lvl="1" indent="-171450" algn="l" defTabSz="800100">
-            <a:lnSpc>
-              <a:spcPct val="90000"/>
-            </a:lnSpc>
-            <a:spcBef>
-              <a:spcPct val="0"/>
-            </a:spcBef>
-            <a:spcAft>
-              <a:spcPct val="15000"/>
-            </a:spcAft>
-            <a:buChar char="••"/>
-          </a:pPr>
-          <a:endParaRPr lang="de-CH" sz="1800" kern="1200" dirty="0"/>
-        </a:p>
-      </dsp:txBody>
-      <dsp:txXfrm>
-        <a:off x="3384002" y="1398940"/>
-        <a:ext cx="4672500" cy="900904"/>
-      </dsp:txXfrm>
-    </dsp:sp>
-    <dsp:sp modelId="{F3F94BDD-D93C-4EB6-8AFF-FDEC6505EA29}">
-      <dsp:nvSpPr>
-        <dsp:cNvPr id="0" name=""/>
-        <dsp:cNvSpPr/>
-      </dsp:nvSpPr>
-      <dsp:spPr>
-        <a:xfrm rot="5400000">
-          <a:off x="3960002" y="3581351"/>
-          <a:ext cx="945949" cy="1076930"/>
-        </a:xfrm>
-        <a:prstGeom prst="bentUpArrow">
-          <a:avLst>
-            <a:gd name="adj1" fmla="val 32840"/>
-            <a:gd name="adj2" fmla="val 25000"/>
-            <a:gd name="adj3" fmla="val 35780"/>
-          </a:avLst>
-        </a:prstGeom>
-        <a:noFill/>
-        <a:ln w="15875" cap="rnd" cmpd="sng" algn="ctr">
-          <a:noFill/>
-          <a:prstDash val="solid"/>
-        </a:ln>
-        <a:effectLst/>
-      </dsp:spPr>
-      <dsp:style>
-        <a:lnRef idx="2">
-          <a:scrgbClr r="0" g="0" b="0"/>
-        </a:lnRef>
-        <a:fillRef idx="1">
-          <a:scrgbClr r="0" g="0" b="0"/>
-        </a:fillRef>
-        <a:effectRef idx="0">
-          <a:scrgbClr r="0" g="0" b="0"/>
-        </a:effectRef>
-        <a:fontRef idx="minor"/>
-      </dsp:style>
-    </dsp:sp>
-    <dsp:sp modelId="{7C9C6413-B337-4A66-8542-181936D08323}">
-      <dsp:nvSpPr>
-        <dsp:cNvPr id="0" name=""/>
-        <dsp:cNvSpPr/>
-      </dsp:nvSpPr>
-      <dsp:spPr>
-        <a:xfrm>
-          <a:off x="3599995" y="2534396"/>
-          <a:ext cx="1592422" cy="1114644"/>
-        </a:xfrm>
-        <a:prstGeom prst="roundRect">
-          <a:avLst>
-            <a:gd name="adj" fmla="val 16670"/>
-          </a:avLst>
-        </a:prstGeom>
-        <a:noFill/>
-        <a:ln w="15875" cap="rnd" cmpd="sng" algn="ctr">
-          <a:noFill/>
-          <a:prstDash val="solid"/>
-        </a:ln>
-        <a:effectLst/>
-      </dsp:spPr>
-      <dsp:style>
-        <a:lnRef idx="2">
-          <a:scrgbClr r="0" g="0" b="0"/>
-        </a:lnRef>
-        <a:fillRef idx="1">
-          <a:scrgbClr r="0" g="0" b="0"/>
-        </a:fillRef>
-        <a:effectRef idx="0">
-          <a:scrgbClr r="0" g="0" b="0"/>
-        </a:effectRef>
-        <a:fontRef idx="minor">
-          <a:schemeClr val="lt1"/>
-        </a:fontRef>
-      </dsp:style>
-      <dsp:txBody>
-        <a:bodyPr spcFirstLastPara="0" vert="horz" wrap="square" lIns="80010" tIns="80010" rIns="80010" bIns="80010" numCol="1" spcCol="1270" anchor="ctr" anchorCtr="0">
-          <a:noAutofit/>
-        </a:bodyPr>
-        <a:lstStyle/>
-        <a:p>
-          <a:pPr lvl="0" algn="ctr" defTabSz="933450">
-            <a:lnSpc>
-              <a:spcPct val="90000"/>
-            </a:lnSpc>
-            <a:spcBef>
-              <a:spcPct val="0"/>
-            </a:spcBef>
-            <a:spcAft>
-              <a:spcPct val="35000"/>
-            </a:spcAft>
-          </a:pPr>
-          <a:r>
-            <a:rPr lang="en-US" sz="2100" kern="1200" dirty="0" smtClean="0"/>
-            <a:t> </a:t>
-          </a:r>
-          <a:endParaRPr lang="de-CH" sz="2100" kern="1200" dirty="0"/>
-        </a:p>
-      </dsp:txBody>
-      <dsp:txXfrm>
-        <a:off x="3654417" y="2588818"/>
-        <a:ext cx="1483578" cy="1005800"/>
-      </dsp:txXfrm>
-    </dsp:sp>
-    <dsp:sp modelId="{00C2D28C-794C-46F8-B203-EACC2F42DFC0}">
-      <dsp:nvSpPr>
-        <dsp:cNvPr id="0" name=""/>
-        <dsp:cNvSpPr/>
-      </dsp:nvSpPr>
-      <dsp:spPr>
-        <a:xfrm>
-          <a:off x="5183996" y="2692423"/>
-          <a:ext cx="3377416" cy="900904"/>
-        </a:xfrm>
-        <a:prstGeom prst="rect">
-          <a:avLst/>
-        </a:prstGeom>
-        <a:noFill/>
-        <a:ln>
-          <a:noFill/>
-        </a:ln>
-        <a:effectLst/>
-      </dsp:spPr>
-      <dsp:style>
-        <a:lnRef idx="0">
-          <a:scrgbClr r="0" g="0" b="0"/>
-        </a:lnRef>
-        <a:fillRef idx="0">
-          <a:scrgbClr r="0" g="0" b="0"/>
-        </a:fillRef>
-        <a:effectRef idx="0">
-          <a:scrgbClr r="0" g="0" b="0"/>
-        </a:effectRef>
-        <a:fontRef idx="minor"/>
-      </dsp:style>
-      <dsp:txBody>
-        <a:bodyPr spcFirstLastPara="0" vert="horz" wrap="square" lIns="68580" tIns="68580" rIns="68580" bIns="68580" numCol="1" spcCol="1270" anchor="ctr" anchorCtr="0">
-          <a:noAutofit/>
-        </a:bodyPr>
-        <a:lstStyle/>
-        <a:p>
-          <a:pPr marL="171450" lvl="1" indent="-171450" algn="l" defTabSz="800100">
-            <a:lnSpc>
-              <a:spcPct val="90000"/>
-            </a:lnSpc>
-            <a:spcBef>
-              <a:spcPct val="0"/>
-            </a:spcBef>
-            <a:spcAft>
-              <a:spcPct val="15000"/>
-            </a:spcAft>
-            <a:buChar char="••"/>
-          </a:pPr>
-          <a:endParaRPr lang="de-CH" sz="1800" kern="1200" dirty="0"/>
-        </a:p>
-        <a:p>
-          <a:pPr marL="171450" lvl="1" indent="-171450" algn="l" defTabSz="800100">
-            <a:lnSpc>
-              <a:spcPct val="90000"/>
-            </a:lnSpc>
-            <a:spcBef>
-              <a:spcPct val="0"/>
-            </a:spcBef>
-            <a:spcAft>
-              <a:spcPct val="15000"/>
-            </a:spcAft>
-            <a:buChar char="••"/>
-          </a:pPr>
-          <a:endParaRPr lang="de-CH" sz="1800" kern="1200" dirty="0"/>
-        </a:p>
-        <a:p>
-          <a:pPr marL="171450" lvl="1" indent="-171450" algn="l" defTabSz="800100">
-            <a:lnSpc>
-              <a:spcPct val="90000"/>
-            </a:lnSpc>
-            <a:spcBef>
-              <a:spcPct val="0"/>
-            </a:spcBef>
-            <a:spcAft>
-              <a:spcPct val="15000"/>
-            </a:spcAft>
-            <a:buChar char="••"/>
-          </a:pPr>
-          <a:endParaRPr lang="de-CH" sz="1800" kern="1200" dirty="0"/>
-        </a:p>
-      </dsp:txBody>
-      <dsp:txXfrm>
-        <a:off x="5183996" y="2692423"/>
-        <a:ext cx="3377416" cy="900904"/>
-      </dsp:txXfrm>
-    </dsp:sp>
-    <dsp:sp modelId="{C2AE311F-8BBD-4734-9B78-465F3C6AAF7A}">
-      <dsp:nvSpPr>
-        <dsp:cNvPr id="0" name=""/>
-        <dsp:cNvSpPr/>
-      </dsp:nvSpPr>
-      <dsp:spPr>
-        <a:xfrm>
-          <a:off x="5399997" y="3784860"/>
-          <a:ext cx="1592422" cy="1114644"/>
-        </a:xfrm>
-        <a:prstGeom prst="roundRect">
-          <a:avLst>
-            <a:gd name="adj" fmla="val 16670"/>
-          </a:avLst>
-        </a:prstGeom>
-        <a:noFill/>
-        <a:ln w="15875" cap="rnd" cmpd="sng" algn="ctr">
-          <a:noFill/>
-          <a:prstDash val="solid"/>
-        </a:ln>
-        <a:effectLst/>
-      </dsp:spPr>
-      <dsp:style>
-        <a:lnRef idx="2">
-          <a:scrgbClr r="0" g="0" b="0"/>
-        </a:lnRef>
-        <a:fillRef idx="1">
-          <a:scrgbClr r="0" g="0" b="0"/>
-        </a:fillRef>
-        <a:effectRef idx="0">
-          <a:scrgbClr r="0" g="0" b="0"/>
-        </a:effectRef>
-        <a:fontRef idx="minor">
-          <a:schemeClr val="lt1"/>
-        </a:fontRef>
-      </dsp:style>
-      <dsp:txBody>
-        <a:bodyPr spcFirstLastPara="0" vert="horz" wrap="square" lIns="80010" tIns="80010" rIns="80010" bIns="80010" numCol="1" spcCol="1270" anchor="ctr" anchorCtr="0">
-          <a:noAutofit/>
-        </a:bodyPr>
-        <a:lstStyle/>
-        <a:p>
-          <a:pPr lvl="0" algn="ctr" defTabSz="933450">
-            <a:lnSpc>
-              <a:spcPct val="90000"/>
-            </a:lnSpc>
-            <a:spcBef>
-              <a:spcPct val="0"/>
-            </a:spcBef>
-            <a:spcAft>
-              <a:spcPct val="35000"/>
-            </a:spcAft>
-          </a:pPr>
-          <a:r>
-            <a:rPr lang="en-US" sz="2100" kern="1200" dirty="0" smtClean="0"/>
-            <a:t> </a:t>
-          </a:r>
-          <a:endParaRPr lang="de-CH" sz="2100" kern="1200" dirty="0"/>
-        </a:p>
-      </dsp:txBody>
-      <dsp:txXfrm>
-        <a:off x="5454419" y="3839282"/>
-        <a:ext cx="1483578" cy="1005800"/>
-      </dsp:txXfrm>
-    </dsp:sp>
-    <dsp:sp modelId="{C6E774FE-2729-439D-889B-C5312A503348}">
-      <dsp:nvSpPr>
-        <dsp:cNvPr id="0" name=""/>
-        <dsp:cNvSpPr/>
-      </dsp:nvSpPr>
-      <dsp:spPr>
-        <a:xfrm>
-          <a:off x="6983996" y="3891166"/>
-          <a:ext cx="1984940" cy="900904"/>
-        </a:xfrm>
-        <a:prstGeom prst="rect">
-          <a:avLst/>
-        </a:prstGeom>
-        <a:noFill/>
-        <a:ln>
-          <a:noFill/>
-        </a:ln>
-        <a:effectLst/>
-      </dsp:spPr>
-      <dsp:style>
-        <a:lnRef idx="0">
-          <a:scrgbClr r="0" g="0" b="0"/>
-        </a:lnRef>
-        <a:fillRef idx="0">
-          <a:scrgbClr r="0" g="0" b="0"/>
-        </a:fillRef>
-        <a:effectRef idx="0">
-          <a:scrgbClr r="0" g="0" b="0"/>
-        </a:effectRef>
-        <a:fontRef idx="minor"/>
-      </dsp:style>
-      <dsp:txBody>
-        <a:bodyPr spcFirstLastPara="0" vert="horz" wrap="square" lIns="68580" tIns="68580" rIns="68580" bIns="68580" numCol="1" spcCol="1270" anchor="ctr" anchorCtr="0">
-          <a:noAutofit/>
-        </a:bodyPr>
-        <a:lstStyle/>
-        <a:p>
-          <a:pPr marL="171450" lvl="1" indent="-171450" algn="l" defTabSz="800100">
-            <a:lnSpc>
-              <a:spcPct val="90000"/>
-            </a:lnSpc>
-            <a:spcBef>
-              <a:spcPct val="0"/>
-            </a:spcBef>
-            <a:spcAft>
-              <a:spcPct val="15000"/>
-            </a:spcAft>
-            <a:buChar char="••"/>
-          </a:pPr>
-          <a:endParaRPr lang="de-CH" sz="1800" kern="1200" dirty="0"/>
-        </a:p>
-      </dsp:txBody>
-      <dsp:txXfrm>
-        <a:off x="6983996" y="3891166"/>
-        <a:ext cx="1984940" cy="900904"/>
-      </dsp:txXfrm>
-    </dsp:sp>
   </dsp:spTree>
 </dsp:drawing>
 </file>
@@ -9052,798 +7282,6 @@
       <dsp:cNvGrpSpPr/>
     </dsp:nvGrpSpPr>
     <dsp:grpSpPr/>
-    <dsp:sp modelId="{9A525D47-14B2-4F0B-85D8-FD3EB0402421}">
-      <dsp:nvSpPr>
-        <dsp:cNvPr id="0" name=""/>
-        <dsp:cNvSpPr/>
-      </dsp:nvSpPr>
-      <dsp:spPr>
-        <a:xfrm rot="5400000">
-          <a:off x="360000" y="1077124"/>
-          <a:ext cx="945949" cy="1076930"/>
-        </a:xfrm>
-        <a:prstGeom prst="bentUpArrow">
-          <a:avLst>
-            <a:gd name="adj1" fmla="val 32840"/>
-            <a:gd name="adj2" fmla="val 25000"/>
-            <a:gd name="adj3" fmla="val 35780"/>
-          </a:avLst>
-        </a:prstGeom>
-        <a:solidFill>
-          <a:schemeClr val="accent1">
-            <a:tint val="50000"/>
-            <a:hueOff val="0"/>
-            <a:satOff val="0"/>
-            <a:lumOff val="0"/>
-            <a:alphaOff val="0"/>
-          </a:schemeClr>
-        </a:solidFill>
-        <a:ln w="15875" cap="rnd" cmpd="sng" algn="ctr">
-          <a:solidFill>
-            <a:schemeClr val="lt1">
-              <a:hueOff val="0"/>
-              <a:satOff val="0"/>
-              <a:lumOff val="0"/>
-              <a:alphaOff val="0"/>
-            </a:schemeClr>
-          </a:solidFill>
-          <a:prstDash val="solid"/>
-        </a:ln>
-        <a:effectLst/>
-      </dsp:spPr>
-      <dsp:style>
-        <a:lnRef idx="2">
-          <a:scrgbClr r="0" g="0" b="0"/>
-        </a:lnRef>
-        <a:fillRef idx="1">
-          <a:scrgbClr r="0" g="0" b="0"/>
-        </a:fillRef>
-        <a:effectRef idx="0">
-          <a:scrgbClr r="0" g="0" b="0"/>
-        </a:effectRef>
-        <a:fontRef idx="minor"/>
-      </dsp:style>
-    </dsp:sp>
-    <dsp:sp modelId="{2BE033E5-5E65-4ABF-9D27-5FFF8CF71BCD}">
-      <dsp:nvSpPr>
-        <dsp:cNvPr id="0" name=""/>
-        <dsp:cNvSpPr/>
-      </dsp:nvSpPr>
-      <dsp:spPr>
-        <a:xfrm>
-          <a:off x="7" y="28520"/>
-          <a:ext cx="1592422" cy="1114644"/>
-        </a:xfrm>
-        <a:prstGeom prst="roundRect">
-          <a:avLst>
-            <a:gd name="adj" fmla="val 16670"/>
-          </a:avLst>
-        </a:prstGeom>
-        <a:solidFill>
-          <a:schemeClr val="accent1">
-            <a:hueOff val="0"/>
-            <a:satOff val="0"/>
-            <a:lumOff val="0"/>
-            <a:alphaOff val="0"/>
-          </a:schemeClr>
-        </a:solidFill>
-        <a:ln w="15875" cap="rnd" cmpd="sng" algn="ctr">
-          <a:solidFill>
-            <a:schemeClr val="lt1">
-              <a:hueOff val="0"/>
-              <a:satOff val="0"/>
-              <a:lumOff val="0"/>
-              <a:alphaOff val="0"/>
-            </a:schemeClr>
-          </a:solidFill>
-          <a:prstDash val="solid"/>
-        </a:ln>
-        <a:effectLst/>
-      </dsp:spPr>
-      <dsp:style>
-        <a:lnRef idx="2">
-          <a:scrgbClr r="0" g="0" b="0"/>
-        </a:lnRef>
-        <a:fillRef idx="1">
-          <a:scrgbClr r="0" g="0" b="0"/>
-        </a:fillRef>
-        <a:effectRef idx="0">
-          <a:scrgbClr r="0" g="0" b="0"/>
-        </a:effectRef>
-        <a:fontRef idx="minor">
-          <a:schemeClr val="lt1"/>
-        </a:fontRef>
-      </dsp:style>
-      <dsp:txBody>
-        <a:bodyPr spcFirstLastPara="0" vert="horz" wrap="square" lIns="80010" tIns="80010" rIns="80010" bIns="80010" numCol="1" spcCol="1270" anchor="ctr" anchorCtr="0">
-          <a:noAutofit/>
-        </a:bodyPr>
-        <a:lstStyle/>
-        <a:p>
-          <a:pPr lvl="0" algn="ctr" defTabSz="933450">
-            <a:lnSpc>
-              <a:spcPct val="90000"/>
-            </a:lnSpc>
-            <a:spcBef>
-              <a:spcPct val="0"/>
-            </a:spcBef>
-            <a:spcAft>
-              <a:spcPct val="35000"/>
-            </a:spcAft>
-          </a:pPr>
-          <a:r>
-            <a:rPr lang="en-US" sz="2100" kern="1200" dirty="0" smtClean="0"/>
-            <a:t>Record sequence</a:t>
-          </a:r>
-          <a:endParaRPr lang="de-CH" sz="2100" kern="1200" dirty="0"/>
-        </a:p>
-      </dsp:txBody>
-      <dsp:txXfrm>
-        <a:off x="54429" y="82942"/>
-        <a:ext cx="1483578" cy="1005800"/>
-      </dsp:txXfrm>
-    </dsp:sp>
-    <dsp:sp modelId="{D4EFC377-AFF7-4383-8611-A4AC615569BE}">
-      <dsp:nvSpPr>
-        <dsp:cNvPr id="0" name=""/>
-        <dsp:cNvSpPr/>
-      </dsp:nvSpPr>
-      <dsp:spPr>
-        <a:xfrm>
-          <a:off x="1583995" y="140782"/>
-          <a:ext cx="2762331" cy="900904"/>
-        </a:xfrm>
-        <a:prstGeom prst="rect">
-          <a:avLst/>
-        </a:prstGeom>
-        <a:noFill/>
-        <a:ln>
-          <a:noFill/>
-        </a:ln>
-        <a:effectLst/>
-      </dsp:spPr>
-      <dsp:style>
-        <a:lnRef idx="0">
-          <a:scrgbClr r="0" g="0" b="0"/>
-        </a:lnRef>
-        <a:fillRef idx="0">
-          <a:scrgbClr r="0" g="0" b="0"/>
-        </a:fillRef>
-        <a:effectRef idx="0">
-          <a:scrgbClr r="0" g="0" b="0"/>
-        </a:effectRef>
-        <a:fontRef idx="minor"/>
-      </dsp:style>
-      <dsp:txBody>
-        <a:bodyPr spcFirstLastPara="0" vert="horz" wrap="square" lIns="68580" tIns="68580" rIns="68580" bIns="68580" numCol="1" spcCol="1270" anchor="ctr" anchorCtr="0">
-          <a:noAutofit/>
-        </a:bodyPr>
-        <a:lstStyle/>
-        <a:p>
-          <a:pPr marL="171450" lvl="1" indent="-171450" algn="l" defTabSz="800100">
-            <a:lnSpc>
-              <a:spcPct val="90000"/>
-            </a:lnSpc>
-            <a:spcBef>
-              <a:spcPct val="0"/>
-            </a:spcBef>
-            <a:spcAft>
-              <a:spcPct val="15000"/>
-            </a:spcAft>
-            <a:buChar char="••"/>
-          </a:pPr>
-          <a:r>
-            <a:rPr lang="en-US" sz="1800" kern="1200" dirty="0" smtClean="0"/>
-            <a:t>On emulated device</a:t>
-          </a:r>
-          <a:endParaRPr lang="de-CH" sz="1800" kern="1200" dirty="0"/>
-        </a:p>
-      </dsp:txBody>
-      <dsp:txXfrm>
-        <a:off x="1583995" y="140782"/>
-        <a:ext cx="2762331" cy="900904"/>
-      </dsp:txXfrm>
-    </dsp:sp>
-    <dsp:sp modelId="{6FB92FAA-8355-4FEC-9356-67979D72B354}">
-      <dsp:nvSpPr>
-        <dsp:cNvPr id="0" name=""/>
-        <dsp:cNvSpPr/>
-      </dsp:nvSpPr>
-      <dsp:spPr>
-        <a:xfrm rot="5400000">
-          <a:off x="2160003" y="2329238"/>
-          <a:ext cx="945949" cy="1076930"/>
-        </a:xfrm>
-        <a:prstGeom prst="bentUpArrow">
-          <a:avLst>
-            <a:gd name="adj1" fmla="val 32840"/>
-            <a:gd name="adj2" fmla="val 25000"/>
-            <a:gd name="adj3" fmla="val 35780"/>
-          </a:avLst>
-        </a:prstGeom>
-        <a:solidFill>
-          <a:schemeClr val="accent1">
-            <a:tint val="50000"/>
-            <a:hueOff val="0"/>
-            <a:satOff val="0"/>
-            <a:lumOff val="0"/>
-            <a:alphaOff val="0"/>
-          </a:schemeClr>
-        </a:solidFill>
-        <a:ln w="15875" cap="rnd" cmpd="sng" algn="ctr">
-          <a:solidFill>
-            <a:schemeClr val="lt1">
-              <a:hueOff val="0"/>
-              <a:satOff val="0"/>
-              <a:lumOff val="0"/>
-              <a:alphaOff val="0"/>
-            </a:schemeClr>
-          </a:solidFill>
-          <a:prstDash val="solid"/>
-        </a:ln>
-        <a:effectLst/>
-      </dsp:spPr>
-      <dsp:style>
-        <a:lnRef idx="2">
-          <a:scrgbClr r="0" g="0" b="0"/>
-        </a:lnRef>
-        <a:fillRef idx="1">
-          <a:scrgbClr r="0" g="0" b="0"/>
-        </a:fillRef>
-        <a:effectRef idx="0">
-          <a:scrgbClr r="0" g="0" b="0"/>
-        </a:effectRef>
-        <a:fontRef idx="minor"/>
-      </dsp:style>
-    </dsp:sp>
-    <dsp:sp modelId="{CCCE12E7-E5B8-4F58-8431-0C12B0F81C58}">
-      <dsp:nvSpPr>
-        <dsp:cNvPr id="0" name=""/>
-        <dsp:cNvSpPr/>
-      </dsp:nvSpPr>
-      <dsp:spPr>
-        <a:xfrm>
-          <a:off x="1799996" y="1280633"/>
-          <a:ext cx="1592422" cy="1114644"/>
-        </a:xfrm>
-        <a:prstGeom prst="roundRect">
-          <a:avLst>
-            <a:gd name="adj" fmla="val 16670"/>
-          </a:avLst>
-        </a:prstGeom>
-        <a:solidFill>
-          <a:schemeClr val="accent1">
-            <a:hueOff val="0"/>
-            <a:satOff val="0"/>
-            <a:lumOff val="0"/>
-            <a:alphaOff val="0"/>
-          </a:schemeClr>
-        </a:solidFill>
-        <a:ln w="15875" cap="rnd" cmpd="sng" algn="ctr">
-          <a:solidFill>
-            <a:schemeClr val="lt1">
-              <a:hueOff val="0"/>
-              <a:satOff val="0"/>
-              <a:lumOff val="0"/>
-              <a:alphaOff val="0"/>
-            </a:schemeClr>
-          </a:solidFill>
-          <a:prstDash val="solid"/>
-        </a:ln>
-        <a:effectLst/>
-      </dsp:spPr>
-      <dsp:style>
-        <a:lnRef idx="2">
-          <a:scrgbClr r="0" g="0" b="0"/>
-        </a:lnRef>
-        <a:fillRef idx="1">
-          <a:scrgbClr r="0" g="0" b="0"/>
-        </a:fillRef>
-        <a:effectRef idx="0">
-          <a:scrgbClr r="0" g="0" b="0"/>
-        </a:effectRef>
-        <a:fontRef idx="minor">
-          <a:schemeClr val="lt1"/>
-        </a:fontRef>
-      </dsp:style>
-      <dsp:txBody>
-        <a:bodyPr spcFirstLastPara="0" vert="horz" wrap="square" lIns="80010" tIns="80010" rIns="80010" bIns="80010" numCol="1" spcCol="1270" anchor="ctr" anchorCtr="0">
-          <a:noAutofit/>
-        </a:bodyPr>
-        <a:lstStyle/>
-        <a:p>
-          <a:pPr lvl="0" algn="ctr" defTabSz="933450">
-            <a:lnSpc>
-              <a:spcPct val="90000"/>
-            </a:lnSpc>
-            <a:spcBef>
-              <a:spcPct val="0"/>
-            </a:spcBef>
-            <a:spcAft>
-              <a:spcPct val="35000"/>
-            </a:spcAft>
-          </a:pPr>
-          <a:r>
-            <a:rPr lang="en-US" sz="2100" kern="1200" dirty="0" smtClean="0"/>
-            <a:t>Visualize sequence</a:t>
-          </a:r>
-          <a:endParaRPr lang="de-CH" sz="2100" kern="1200" dirty="0"/>
-        </a:p>
-      </dsp:txBody>
-      <dsp:txXfrm>
-        <a:off x="1854418" y="1335055"/>
-        <a:ext cx="1483578" cy="1005800"/>
-      </dsp:txXfrm>
-    </dsp:sp>
-    <dsp:sp modelId="{C60AB0D8-72C7-45B2-B090-B32ABD564FCD}">
-      <dsp:nvSpPr>
-        <dsp:cNvPr id="0" name=""/>
-        <dsp:cNvSpPr/>
-      </dsp:nvSpPr>
-      <dsp:spPr>
-        <a:xfrm>
-          <a:off x="3384002" y="1398940"/>
-          <a:ext cx="4672500" cy="900904"/>
-        </a:xfrm>
-        <a:prstGeom prst="rect">
-          <a:avLst/>
-        </a:prstGeom>
-        <a:noFill/>
-        <a:ln>
-          <a:noFill/>
-        </a:ln>
-        <a:effectLst/>
-      </dsp:spPr>
-      <dsp:style>
-        <a:lnRef idx="0">
-          <a:scrgbClr r="0" g="0" b="0"/>
-        </a:lnRef>
-        <a:fillRef idx="0">
-          <a:scrgbClr r="0" g="0" b="0"/>
-        </a:fillRef>
-        <a:effectRef idx="0">
-          <a:scrgbClr r="0" g="0" b="0"/>
-        </a:effectRef>
-        <a:fontRef idx="minor"/>
-      </dsp:style>
-      <dsp:txBody>
-        <a:bodyPr spcFirstLastPara="0" vert="horz" wrap="square" lIns="68580" tIns="68580" rIns="68580" bIns="68580" numCol="1" spcCol="1270" anchor="ctr" anchorCtr="0">
-          <a:noAutofit/>
-        </a:bodyPr>
-        <a:lstStyle/>
-        <a:p>
-          <a:pPr marL="171450" lvl="1" indent="-171450" algn="l" defTabSz="800100">
-            <a:lnSpc>
-              <a:spcPct val="90000"/>
-            </a:lnSpc>
-            <a:spcBef>
-              <a:spcPct val="0"/>
-            </a:spcBef>
-            <a:spcAft>
-              <a:spcPct val="15000"/>
-            </a:spcAft>
-            <a:buChar char="••"/>
-          </a:pPr>
-          <a:r>
-            <a:rPr lang="en-US" sz="1800" kern="1200" dirty="0" smtClean="0"/>
-            <a:t>Display events in a timeline</a:t>
-          </a:r>
-          <a:endParaRPr lang="de-CH" sz="1800" kern="1200" dirty="0"/>
-        </a:p>
-        <a:p>
-          <a:pPr marL="171450" lvl="1" indent="-171450" algn="l" defTabSz="800100">
-            <a:lnSpc>
-              <a:spcPct val="90000"/>
-            </a:lnSpc>
-            <a:spcBef>
-              <a:spcPct val="0"/>
-            </a:spcBef>
-            <a:spcAft>
-              <a:spcPct val="15000"/>
-            </a:spcAft>
-            <a:buChar char="••"/>
-          </a:pPr>
-          <a:r>
-            <a:rPr lang="en-US" sz="1800" kern="1200" dirty="0" smtClean="0"/>
-            <a:t>Save sequence</a:t>
-          </a:r>
-          <a:endParaRPr lang="de-CH" sz="1800" kern="1200" dirty="0"/>
-        </a:p>
-        <a:p>
-          <a:pPr marL="171450" lvl="1" indent="-171450" algn="l" defTabSz="800100">
-            <a:lnSpc>
-              <a:spcPct val="90000"/>
-            </a:lnSpc>
-            <a:spcBef>
-              <a:spcPct val="0"/>
-            </a:spcBef>
-            <a:spcAft>
-              <a:spcPct val="15000"/>
-            </a:spcAft>
-            <a:buChar char="••"/>
-          </a:pPr>
-          <a:r>
-            <a:rPr lang="en-US" sz="1800" kern="1200" dirty="0" smtClean="0"/>
-            <a:t>Move sequence to other device</a:t>
-          </a:r>
-          <a:endParaRPr lang="de-CH" sz="1800" kern="1200" dirty="0"/>
-        </a:p>
-      </dsp:txBody>
-      <dsp:txXfrm>
-        <a:off x="3384002" y="1398940"/>
-        <a:ext cx="4672500" cy="900904"/>
-      </dsp:txXfrm>
-    </dsp:sp>
-    <dsp:sp modelId="{F3F94BDD-D93C-4EB6-8AFF-FDEC6505EA29}">
-      <dsp:nvSpPr>
-        <dsp:cNvPr id="0" name=""/>
-        <dsp:cNvSpPr/>
-      </dsp:nvSpPr>
-      <dsp:spPr>
-        <a:xfrm rot="5400000">
-          <a:off x="3960002" y="3581351"/>
-          <a:ext cx="945949" cy="1076930"/>
-        </a:xfrm>
-        <a:prstGeom prst="bentUpArrow">
-          <a:avLst>
-            <a:gd name="adj1" fmla="val 32840"/>
-            <a:gd name="adj2" fmla="val 25000"/>
-            <a:gd name="adj3" fmla="val 35780"/>
-          </a:avLst>
-        </a:prstGeom>
-        <a:solidFill>
-          <a:schemeClr val="accent1">
-            <a:tint val="50000"/>
-            <a:hueOff val="0"/>
-            <a:satOff val="0"/>
-            <a:lumOff val="0"/>
-            <a:alphaOff val="0"/>
-          </a:schemeClr>
-        </a:solidFill>
-        <a:ln w="15875" cap="rnd" cmpd="sng" algn="ctr">
-          <a:solidFill>
-            <a:schemeClr val="lt1">
-              <a:hueOff val="0"/>
-              <a:satOff val="0"/>
-              <a:lumOff val="0"/>
-              <a:alphaOff val="0"/>
-            </a:schemeClr>
-          </a:solidFill>
-          <a:prstDash val="solid"/>
-        </a:ln>
-        <a:effectLst/>
-      </dsp:spPr>
-      <dsp:style>
-        <a:lnRef idx="2">
-          <a:scrgbClr r="0" g="0" b="0"/>
-        </a:lnRef>
-        <a:fillRef idx="1">
-          <a:scrgbClr r="0" g="0" b="0"/>
-        </a:fillRef>
-        <a:effectRef idx="0">
-          <a:scrgbClr r="0" g="0" b="0"/>
-        </a:effectRef>
-        <a:fontRef idx="minor"/>
-      </dsp:style>
-    </dsp:sp>
-    <dsp:sp modelId="{7C9C6413-B337-4A66-8542-181936D08323}">
-      <dsp:nvSpPr>
-        <dsp:cNvPr id="0" name=""/>
-        <dsp:cNvSpPr/>
-      </dsp:nvSpPr>
-      <dsp:spPr>
-        <a:xfrm>
-          <a:off x="3599995" y="2534396"/>
-          <a:ext cx="1592422" cy="1114644"/>
-        </a:xfrm>
-        <a:prstGeom prst="roundRect">
-          <a:avLst>
-            <a:gd name="adj" fmla="val 16670"/>
-          </a:avLst>
-        </a:prstGeom>
-        <a:solidFill>
-          <a:schemeClr val="accent1">
-            <a:hueOff val="0"/>
-            <a:satOff val="0"/>
-            <a:lumOff val="0"/>
-            <a:alphaOff val="0"/>
-          </a:schemeClr>
-        </a:solidFill>
-        <a:ln w="15875" cap="rnd" cmpd="sng" algn="ctr">
-          <a:solidFill>
-            <a:schemeClr val="lt1">
-              <a:hueOff val="0"/>
-              <a:satOff val="0"/>
-              <a:lumOff val="0"/>
-              <a:alphaOff val="0"/>
-            </a:schemeClr>
-          </a:solidFill>
-          <a:prstDash val="solid"/>
-        </a:ln>
-        <a:effectLst/>
-      </dsp:spPr>
-      <dsp:style>
-        <a:lnRef idx="2">
-          <a:scrgbClr r="0" g="0" b="0"/>
-        </a:lnRef>
-        <a:fillRef idx="1">
-          <a:scrgbClr r="0" g="0" b="0"/>
-        </a:fillRef>
-        <a:effectRef idx="0">
-          <a:scrgbClr r="0" g="0" b="0"/>
-        </a:effectRef>
-        <a:fontRef idx="minor">
-          <a:schemeClr val="lt1"/>
-        </a:fontRef>
-      </dsp:style>
-      <dsp:txBody>
-        <a:bodyPr spcFirstLastPara="0" vert="horz" wrap="square" lIns="80010" tIns="80010" rIns="80010" bIns="80010" numCol="1" spcCol="1270" anchor="ctr" anchorCtr="0">
-          <a:noAutofit/>
-        </a:bodyPr>
-        <a:lstStyle/>
-        <a:p>
-          <a:pPr lvl="0" algn="ctr" defTabSz="933450">
-            <a:lnSpc>
-              <a:spcPct val="90000"/>
-            </a:lnSpc>
-            <a:spcBef>
-              <a:spcPct val="0"/>
-            </a:spcBef>
-            <a:spcAft>
-              <a:spcPct val="35000"/>
-            </a:spcAft>
-          </a:pPr>
-          <a:r>
-            <a:rPr lang="en-US" sz="2100" kern="1200" dirty="0" smtClean="0"/>
-            <a:t>Adjust timing</a:t>
-          </a:r>
-          <a:endParaRPr lang="de-CH" sz="2100" kern="1200" dirty="0"/>
-        </a:p>
-      </dsp:txBody>
-      <dsp:txXfrm>
-        <a:off x="3654417" y="2588818"/>
-        <a:ext cx="1483578" cy="1005800"/>
-      </dsp:txXfrm>
-    </dsp:sp>
-    <dsp:sp modelId="{00C2D28C-794C-46F8-B203-EACC2F42DFC0}">
-      <dsp:nvSpPr>
-        <dsp:cNvPr id="0" name=""/>
-        <dsp:cNvSpPr/>
-      </dsp:nvSpPr>
-      <dsp:spPr>
-        <a:xfrm>
-          <a:off x="5183996" y="2692423"/>
-          <a:ext cx="3377416" cy="900904"/>
-        </a:xfrm>
-        <a:prstGeom prst="rect">
-          <a:avLst/>
-        </a:prstGeom>
-        <a:noFill/>
-        <a:ln>
-          <a:noFill/>
-        </a:ln>
-        <a:effectLst/>
-      </dsp:spPr>
-      <dsp:style>
-        <a:lnRef idx="0">
-          <a:scrgbClr r="0" g="0" b="0"/>
-        </a:lnRef>
-        <a:fillRef idx="0">
-          <a:scrgbClr r="0" g="0" b="0"/>
-        </a:fillRef>
-        <a:effectRef idx="0">
-          <a:scrgbClr r="0" g="0" b="0"/>
-        </a:effectRef>
-        <a:fontRef idx="minor"/>
-      </dsp:style>
-      <dsp:txBody>
-        <a:bodyPr spcFirstLastPara="0" vert="horz" wrap="square" lIns="68580" tIns="68580" rIns="68580" bIns="68580" numCol="1" spcCol="1270" anchor="ctr" anchorCtr="0">
-          <a:noAutofit/>
-        </a:bodyPr>
-        <a:lstStyle/>
-        <a:p>
-          <a:pPr marL="171450" lvl="1" indent="-171450" algn="l" defTabSz="800100">
-            <a:lnSpc>
-              <a:spcPct val="90000"/>
-            </a:lnSpc>
-            <a:spcBef>
-              <a:spcPct val="0"/>
-            </a:spcBef>
-            <a:spcAft>
-              <a:spcPct val="15000"/>
-            </a:spcAft>
-            <a:buChar char="••"/>
-          </a:pPr>
-          <a:r>
-            <a:rPr lang="en-US" sz="1800" kern="1200" dirty="0" smtClean="0"/>
-            <a:t>Drag and drop sequence</a:t>
-          </a:r>
-          <a:endParaRPr lang="de-CH" sz="1800" kern="1200" dirty="0"/>
-        </a:p>
-        <a:p>
-          <a:pPr marL="171450" lvl="1" indent="-171450" algn="l" defTabSz="800100">
-            <a:lnSpc>
-              <a:spcPct val="90000"/>
-            </a:lnSpc>
-            <a:spcBef>
-              <a:spcPct val="0"/>
-            </a:spcBef>
-            <a:spcAft>
-              <a:spcPct val="15000"/>
-            </a:spcAft>
-            <a:buChar char="••"/>
-          </a:pPr>
-          <a:r>
-            <a:rPr lang="en-US" sz="1800" kern="1200" dirty="0" smtClean="0"/>
-            <a:t>Set breakpoints</a:t>
-          </a:r>
-          <a:endParaRPr lang="de-CH" sz="1800" kern="1200" dirty="0"/>
-        </a:p>
-        <a:p>
-          <a:pPr marL="171450" lvl="1" indent="-171450" algn="l" defTabSz="800100">
-            <a:lnSpc>
-              <a:spcPct val="90000"/>
-            </a:lnSpc>
-            <a:spcBef>
-              <a:spcPct val="0"/>
-            </a:spcBef>
-            <a:spcAft>
-              <a:spcPct val="15000"/>
-            </a:spcAft>
-            <a:buChar char="••"/>
-          </a:pPr>
-          <a:r>
-            <a:rPr lang="en-US" sz="1800" kern="1200" dirty="0" smtClean="0"/>
-            <a:t>Add breaks of one second</a:t>
-          </a:r>
-          <a:endParaRPr lang="de-CH" sz="1800" kern="1200" dirty="0"/>
-        </a:p>
-      </dsp:txBody>
-      <dsp:txXfrm>
-        <a:off x="5183996" y="2692423"/>
-        <a:ext cx="3377416" cy="900904"/>
-      </dsp:txXfrm>
-    </dsp:sp>
-    <dsp:sp modelId="{C2AE311F-8BBD-4734-9B78-465F3C6AAF7A}">
-      <dsp:nvSpPr>
-        <dsp:cNvPr id="0" name=""/>
-        <dsp:cNvSpPr/>
-      </dsp:nvSpPr>
-      <dsp:spPr>
-        <a:xfrm>
-          <a:off x="5399997" y="3784860"/>
-          <a:ext cx="1592422" cy="1114644"/>
-        </a:xfrm>
-        <a:prstGeom prst="roundRect">
-          <a:avLst>
-            <a:gd name="adj" fmla="val 16670"/>
-          </a:avLst>
-        </a:prstGeom>
-        <a:solidFill>
-          <a:schemeClr val="accent1">
-            <a:hueOff val="0"/>
-            <a:satOff val="0"/>
-            <a:lumOff val="0"/>
-            <a:alphaOff val="0"/>
-          </a:schemeClr>
-        </a:solidFill>
-        <a:ln w="15875" cap="rnd" cmpd="sng" algn="ctr">
-          <a:solidFill>
-            <a:schemeClr val="lt1">
-              <a:hueOff val="0"/>
-              <a:satOff val="0"/>
-              <a:lumOff val="0"/>
-              <a:alphaOff val="0"/>
-            </a:schemeClr>
-          </a:solidFill>
-          <a:prstDash val="solid"/>
-        </a:ln>
-        <a:effectLst/>
-      </dsp:spPr>
-      <dsp:style>
-        <a:lnRef idx="2">
-          <a:scrgbClr r="0" g="0" b="0"/>
-        </a:lnRef>
-        <a:fillRef idx="1">
-          <a:scrgbClr r="0" g="0" b="0"/>
-        </a:fillRef>
-        <a:effectRef idx="0">
-          <a:scrgbClr r="0" g="0" b="0"/>
-        </a:effectRef>
-        <a:fontRef idx="minor">
-          <a:schemeClr val="lt1"/>
-        </a:fontRef>
-      </dsp:style>
-      <dsp:txBody>
-        <a:bodyPr spcFirstLastPara="0" vert="horz" wrap="square" lIns="80010" tIns="80010" rIns="80010" bIns="80010" numCol="1" spcCol="1270" anchor="ctr" anchorCtr="0">
-          <a:noAutofit/>
-        </a:bodyPr>
-        <a:lstStyle/>
-        <a:p>
-          <a:pPr lvl="0" algn="ctr" defTabSz="933450">
-            <a:lnSpc>
-              <a:spcPct val="90000"/>
-            </a:lnSpc>
-            <a:spcBef>
-              <a:spcPct val="0"/>
-            </a:spcBef>
-            <a:spcAft>
-              <a:spcPct val="35000"/>
-            </a:spcAft>
-          </a:pPr>
-          <a:r>
-            <a:rPr lang="en-US" sz="2100" kern="1200" dirty="0" smtClean="0"/>
-            <a:t>Replay sequence</a:t>
-          </a:r>
-          <a:endParaRPr lang="de-CH" sz="2100" kern="1200" dirty="0"/>
-        </a:p>
-      </dsp:txBody>
-      <dsp:txXfrm>
-        <a:off x="5454419" y="3839282"/>
-        <a:ext cx="1483578" cy="1005800"/>
-      </dsp:txXfrm>
-    </dsp:sp>
-    <dsp:sp modelId="{C6E774FE-2729-439D-889B-C5312A503348}">
-      <dsp:nvSpPr>
-        <dsp:cNvPr id="0" name=""/>
-        <dsp:cNvSpPr/>
-      </dsp:nvSpPr>
-      <dsp:spPr>
-        <a:xfrm>
-          <a:off x="6983996" y="3891166"/>
-          <a:ext cx="1984940" cy="900904"/>
-        </a:xfrm>
-        <a:prstGeom prst="rect">
-          <a:avLst/>
-        </a:prstGeom>
-        <a:noFill/>
-        <a:ln>
-          <a:noFill/>
-        </a:ln>
-        <a:effectLst/>
-      </dsp:spPr>
-      <dsp:style>
-        <a:lnRef idx="0">
-          <a:scrgbClr r="0" g="0" b="0"/>
-        </a:lnRef>
-        <a:fillRef idx="0">
-          <a:scrgbClr r="0" g="0" b="0"/>
-        </a:fillRef>
-        <a:effectRef idx="0">
-          <a:scrgbClr r="0" g="0" b="0"/>
-        </a:effectRef>
-        <a:fontRef idx="minor"/>
-      </dsp:style>
-      <dsp:txBody>
-        <a:bodyPr spcFirstLastPara="0" vert="horz" wrap="square" lIns="68580" tIns="68580" rIns="68580" bIns="68580" numCol="1" spcCol="1270" anchor="ctr" anchorCtr="0">
-          <a:noAutofit/>
-        </a:bodyPr>
-        <a:lstStyle/>
-        <a:p>
-          <a:pPr marL="171450" lvl="1" indent="-171450" algn="l" defTabSz="800100">
-            <a:lnSpc>
-              <a:spcPct val="90000"/>
-            </a:lnSpc>
-            <a:spcBef>
-              <a:spcPct val="0"/>
-            </a:spcBef>
-            <a:spcAft>
-              <a:spcPct val="15000"/>
-            </a:spcAft>
-            <a:buChar char="••"/>
-          </a:pPr>
-          <a:r>
-            <a:rPr lang="en-US" sz="1800" kern="1200" dirty="0" smtClean="0"/>
-            <a:t>On any device</a:t>
-          </a:r>
-          <a:endParaRPr lang="de-CH" sz="1800" kern="1200" dirty="0"/>
-        </a:p>
-      </dsp:txBody>
-      <dsp:txXfrm>
-        <a:off x="6983996" y="3891166"/>
-        <a:ext cx="1984940" cy="900904"/>
-      </dsp:txXfrm>
-    </dsp:sp>
   </dsp:spTree>
 </dsp:drawing>
 </file>
@@ -16252,7 +13690,7 @@
           <a:p>
             <a:fld id="{039C12ED-8806-4CCC-9C94-51D73545C590}" type="datetimeFigureOut">
               <a:rPr lang="en-US" smtClean="0"/>
-              <a:t>9/29/2015</a:t>
+              <a:t>10/16/2015</a:t>
             </a:fld>
             <a:endParaRPr lang="en-US" dirty="0"/>
           </a:p>
@@ -22988,7 +20426,7 @@
           <a:p>
             <a:fld id="{459220CB-8956-4D40-9A0B-82DE40C3C923}" type="datetimeFigureOut">
               <a:rPr lang="en-US" smtClean="0"/>
-              <a:t>9/29/2015</a:t>
+              <a:t>10/16/2015</a:t>
             </a:fld>
             <a:endParaRPr lang="en-US" dirty="0"/>
           </a:p>
@@ -23326,7 +20764,7 @@
           <a:p>
             <a:fld id="{459220CB-8956-4D40-9A0B-82DE40C3C923}" type="datetimeFigureOut">
               <a:rPr lang="en-US" smtClean="0"/>
-              <a:t>9/29/2015</a:t>
+              <a:t>10/16/2015</a:t>
             </a:fld>
             <a:endParaRPr lang="en-US" dirty="0"/>
           </a:p>
@@ -23727,7 +21165,7 @@
           <a:p>
             <a:fld id="{459220CB-8956-4D40-9A0B-82DE40C3C923}" type="datetimeFigureOut">
               <a:rPr lang="en-US" smtClean="0"/>
-              <a:t>9/29/2015</a:t>
+              <a:t>10/16/2015</a:t>
             </a:fld>
             <a:endParaRPr lang="en-US" dirty="0"/>
           </a:p>
@@ -24063,7 +21501,7 @@
           <a:p>
             <a:fld id="{459220CB-8956-4D40-9A0B-82DE40C3C923}" type="datetimeFigureOut">
               <a:rPr lang="en-US" smtClean="0"/>
-              <a:t>9/29/2015</a:t>
+              <a:t>10/16/2015</a:t>
             </a:fld>
             <a:endParaRPr lang="en-US" dirty="0"/>
           </a:p>
@@ -24383,7 +21821,7 @@
           <a:p>
             <a:fld id="{459220CB-8956-4D40-9A0B-82DE40C3C923}" type="datetimeFigureOut">
               <a:rPr lang="en-US" smtClean="0"/>
-              <a:t>9/29/2015</a:t>
+              <a:t>10/16/2015</a:t>
             </a:fld>
             <a:endParaRPr lang="en-US" dirty="0"/>
           </a:p>
@@ -24779,7 +22217,7 @@
           <a:p>
             <a:fld id="{459220CB-8956-4D40-9A0B-82DE40C3C923}" type="datetimeFigureOut">
               <a:rPr lang="en-US" smtClean="0"/>
-              <a:t>9/29/2015</a:t>
+              <a:t>10/16/2015</a:t>
             </a:fld>
             <a:endParaRPr lang="en-US" dirty="0"/>
           </a:p>
@@ -25036,7 +22474,7 @@
           <a:p>
             <a:fld id="{459220CB-8956-4D40-9A0B-82DE40C3C923}" type="datetimeFigureOut">
               <a:rPr lang="en-US" smtClean="0"/>
-              <a:t>9/29/2015</a:t>
+              <a:t>10/16/2015</a:t>
             </a:fld>
             <a:endParaRPr lang="en-US" dirty="0"/>
           </a:p>
@@ -25298,7 +22736,7 @@
           <a:p>
             <a:fld id="{459220CB-8956-4D40-9A0B-82DE40C3C923}" type="datetimeFigureOut">
               <a:rPr lang="en-US" smtClean="0"/>
-              <a:t>9/29/2015</a:t>
+              <a:t>10/16/2015</a:t>
             </a:fld>
             <a:endParaRPr lang="en-US" dirty="0"/>
           </a:p>
@@ -25560,7 +22998,7 @@
           <a:p>
             <a:fld id="{459220CB-8956-4D40-9A0B-82DE40C3C923}" type="datetimeFigureOut">
               <a:rPr lang="en-US" smtClean="0"/>
-              <a:t>9/29/2015</a:t>
+              <a:t>10/16/2015</a:t>
             </a:fld>
             <a:endParaRPr lang="en-US" dirty="0"/>
           </a:p>
@@ -25889,7 +23327,7 @@
           <a:p>
             <a:fld id="{459220CB-8956-4D40-9A0B-82DE40C3C923}" type="datetimeFigureOut">
               <a:rPr lang="en-US" smtClean="0"/>
-              <a:t>9/29/2015</a:t>
+              <a:t>10/16/2015</a:t>
             </a:fld>
             <a:endParaRPr lang="en-US" dirty="0"/>
           </a:p>
@@ -26212,7 +23650,7 @@
           <a:p>
             <a:fld id="{459220CB-8956-4D40-9A0B-82DE40C3C923}" type="datetimeFigureOut">
               <a:rPr lang="en-US" smtClean="0"/>
-              <a:t>9/29/2015</a:t>
+              <a:t>10/16/2015</a:t>
             </a:fld>
             <a:endParaRPr lang="en-US" dirty="0"/>
           </a:p>
@@ -26669,7 +24107,7 @@
           <a:p>
             <a:fld id="{459220CB-8956-4D40-9A0B-82DE40C3C923}" type="datetimeFigureOut">
               <a:rPr lang="en-US" smtClean="0"/>
-              <a:t>9/29/2015</a:t>
+              <a:t>10/16/2015</a:t>
             </a:fld>
             <a:endParaRPr lang="en-US" dirty="0"/>
           </a:p>
@@ -26874,7 +24312,7 @@
           <a:p>
             <a:fld id="{459220CB-8956-4D40-9A0B-82DE40C3C923}" type="datetimeFigureOut">
               <a:rPr lang="en-US" smtClean="0"/>
-              <a:t>9/29/2015</a:t>
+              <a:t>10/16/2015</a:t>
             </a:fld>
             <a:endParaRPr lang="en-US" dirty="0"/>
           </a:p>
@@ -27051,7 +24489,7 @@
           <a:p>
             <a:fld id="{459220CB-8956-4D40-9A0B-82DE40C3C923}" type="datetimeFigureOut">
               <a:rPr lang="en-US" smtClean="0"/>
-              <a:t>9/29/2015</a:t>
+              <a:t>10/16/2015</a:t>
             </a:fld>
             <a:endParaRPr lang="en-US" dirty="0"/>
           </a:p>
@@ -27384,7 +24822,7 @@
           <a:p>
             <a:fld id="{459220CB-8956-4D40-9A0B-82DE40C3C923}" type="datetimeFigureOut">
               <a:rPr lang="en-US" smtClean="0"/>
-              <a:t>9/29/2015</a:t>
+              <a:t>10/16/2015</a:t>
             </a:fld>
             <a:endParaRPr lang="en-US" dirty="0"/>
           </a:p>
@@ -27729,7 +25167,7 @@
           <a:p>
             <a:fld id="{459220CB-8956-4D40-9A0B-82DE40C3C923}" type="datetimeFigureOut">
               <a:rPr lang="en-US" smtClean="0"/>
-              <a:t>9/29/2015</a:t>
+              <a:t>10/16/2015</a:t>
             </a:fld>
             <a:endParaRPr lang="en-US" dirty="0"/>
           </a:p>
@@ -29846,7 +27284,7 @@
           <a:p>
             <a:fld id="{459220CB-8956-4D40-9A0B-82DE40C3C923}" type="datetimeFigureOut">
               <a:rPr lang="en-US" smtClean="0"/>
-              <a:t>9/29/2015</a:t>
+              <a:t>10/16/2015</a:t>
             </a:fld>
             <a:endParaRPr lang="en-US" dirty="0"/>
           </a:p>
@@ -54359,15 +51797,7 @@
               <a:p>
                 <a:r>
                   <a:rPr lang="en-US" sz="1600" dirty="0" smtClean="0"/>
-                  <a:t>Main application, </a:t>
-                </a:r>
-                <a:r>
-                  <a:rPr lang="en-US" sz="1600" dirty="0" smtClean="0"/>
-                  <a:t>commands, </a:t>
-                </a:r>
-                <a:r>
-                  <a:rPr lang="en-US" sz="1600" dirty="0" smtClean="0"/>
-                  <a:t>script</a:t>
+                  <a:t>Main application, commands, script</a:t>
                 </a:r>
                 <a:endParaRPr lang="en-US" sz="1600" dirty="0"/>
               </a:p>
@@ -54652,6 +52082,1054 @@
       </p:par>
     </p:tnLst>
   </p:timing>
+</p:sld>
+</file>
+
+<file path=ppt/slides/slide72.xml><?xml version="1.0" encoding="utf-8"?>
+<p:sld xmlns:a="http://schemas.openxmlformats.org/drawingml/2006/main" xmlns:r="http://schemas.openxmlformats.org/officeDocument/2006/relationships" xmlns:p="http://schemas.openxmlformats.org/presentationml/2006/main">
+  <p:cSld>
+    <p:spTree>
+      <p:nvGrpSpPr>
+        <p:cNvPr id="1" name=""/>
+        <p:cNvGrpSpPr/>
+        <p:nvPr/>
+      </p:nvGrpSpPr>
+      <p:grpSpPr>
+        <a:xfrm>
+          <a:off x="0" y="0"/>
+          <a:ext cx="0" cy="0"/>
+          <a:chOff x="0" y="0"/>
+          <a:chExt cx="0" cy="0"/>
+        </a:xfrm>
+      </p:grpSpPr>
+      <p:sp>
+        <p:nvSpPr>
+          <p:cNvPr id="2" name="Title 1"/>
+          <p:cNvSpPr>
+            <a:spLocks noGrp="1"/>
+          </p:cNvSpPr>
+          <p:nvPr>
+            <p:ph type="title"/>
+          </p:nvPr>
+        </p:nvSpPr>
+        <p:spPr/>
+        <p:txBody>
+          <a:bodyPr/>
+          <a:lstStyle/>
+          <a:p>
+            <a:endParaRPr lang="de-CH"/>
+          </a:p>
+        </p:txBody>
+      </p:sp>
+      <p:sp>
+        <p:nvSpPr>
+          <p:cNvPr id="3" name="Text Placeholder 2"/>
+          <p:cNvSpPr>
+            <a:spLocks noGrp="1"/>
+          </p:cNvSpPr>
+          <p:nvPr>
+            <p:ph type="body" idx="1"/>
+          </p:nvPr>
+        </p:nvSpPr>
+        <p:spPr/>
+        <p:txBody>
+          <a:bodyPr/>
+          <a:lstStyle/>
+          <a:p>
+            <a:endParaRPr lang="de-CH"/>
+          </a:p>
+        </p:txBody>
+      </p:sp>
+      <p:sp>
+        <p:nvSpPr>
+          <p:cNvPr id="4" name="Rectangle 3"/>
+          <p:cNvSpPr/>
+          <p:nvPr/>
+        </p:nvSpPr>
+        <p:spPr>
+          <a:xfrm>
+            <a:off x="197538" y="253191"/>
+            <a:ext cx="11489635" cy="6575728"/>
+          </a:xfrm>
+          <a:prstGeom prst="rect">
+            <a:avLst/>
+          </a:prstGeom>
+          <a:solidFill>
+            <a:schemeClr val="bg1"/>
+          </a:solidFill>
+        </p:spPr>
+        <p:style>
+          <a:lnRef idx="2">
+            <a:schemeClr val="accent6">
+              <a:shade val="50000"/>
+            </a:schemeClr>
+          </a:lnRef>
+          <a:fillRef idx="1">
+            <a:schemeClr val="accent6"/>
+          </a:fillRef>
+          <a:effectRef idx="0">
+            <a:schemeClr val="accent6"/>
+          </a:effectRef>
+          <a:fontRef idx="minor">
+            <a:schemeClr val="lt1"/>
+          </a:fontRef>
+        </p:style>
+        <p:txBody>
+          <a:bodyPr rtlCol="0" anchor="ctr"/>
+          <a:lstStyle/>
+          <a:p>
+            <a:pPr algn="ctr"/>
+            <a:endParaRPr lang="de-CH"/>
+          </a:p>
+        </p:txBody>
+      </p:sp>
+      <p:grpSp>
+        <p:nvGrpSpPr>
+          <p:cNvPr id="14" name="Group 13"/>
+          <p:cNvGrpSpPr/>
+          <p:nvPr/>
+        </p:nvGrpSpPr>
+        <p:grpSpPr>
+          <a:xfrm rot="10800000" flipV="1">
+            <a:off x="6687566" y="3598693"/>
+            <a:ext cx="654029" cy="330340"/>
+            <a:chOff x="1854393" y="5153512"/>
+            <a:chExt cx="1053519" cy="532117"/>
+          </a:xfrm>
+        </p:grpSpPr>
+        <p:sp>
+          <p:nvSpPr>
+            <p:cNvPr id="5" name="Rounded Rectangle 8"/>
+            <p:cNvSpPr/>
+            <p:nvPr/>
+          </p:nvSpPr>
+          <p:spPr>
+            <a:xfrm>
+              <a:off x="1854393" y="5153512"/>
+              <a:ext cx="1053519" cy="532117"/>
+            </a:xfrm>
+            <a:prstGeom prst="roundRect">
+              <a:avLst/>
+            </a:prstGeom>
+            <a:solidFill>
+              <a:srgbClr val="A7BFD3"/>
+            </a:solidFill>
+            <a:ln w="9525">
+              <a:solidFill>
+                <a:srgbClr val="3E83AD"/>
+              </a:solidFill>
+            </a:ln>
+          </p:spPr>
+          <p:style>
+            <a:lnRef idx="2">
+              <a:schemeClr val="accent1">
+                <a:shade val="50000"/>
+              </a:schemeClr>
+            </a:lnRef>
+            <a:fillRef idx="1">
+              <a:schemeClr val="accent1"/>
+            </a:fillRef>
+            <a:effectRef idx="0">
+              <a:schemeClr val="accent1"/>
+            </a:effectRef>
+            <a:fontRef idx="minor">
+              <a:schemeClr val="lt1"/>
+            </a:fontRef>
+          </p:style>
+          <p:txBody>
+            <a:bodyPr rtlCol="0" anchor="ctr"/>
+            <a:lstStyle/>
+            <a:p>
+              <a:pPr algn="ctr"/>
+              <a:endParaRPr lang="de-CH"/>
+            </a:p>
+          </p:txBody>
+        </p:sp>
+        <p:sp>
+          <p:nvSpPr>
+            <p:cNvPr id="6" name="Rectangle 9"/>
+            <p:cNvSpPr/>
+            <p:nvPr/>
+          </p:nvSpPr>
+          <p:spPr>
+            <a:xfrm>
+              <a:off x="1948007" y="5172110"/>
+              <a:ext cx="866291" cy="494920"/>
+            </a:xfrm>
+            <a:prstGeom prst="rect">
+              <a:avLst/>
+            </a:prstGeom>
+            <a:solidFill>
+              <a:srgbClr val="CAD9E5"/>
+            </a:solidFill>
+            <a:ln w="9525">
+              <a:solidFill>
+                <a:srgbClr val="3E83AD"/>
+              </a:solidFill>
+            </a:ln>
+          </p:spPr>
+          <p:style>
+            <a:lnRef idx="2">
+              <a:schemeClr val="accent1"/>
+            </a:lnRef>
+            <a:fillRef idx="1">
+              <a:schemeClr val="lt1"/>
+            </a:fillRef>
+            <a:effectRef idx="0">
+              <a:schemeClr val="accent1"/>
+            </a:effectRef>
+            <a:fontRef idx="minor">
+              <a:schemeClr val="dk1"/>
+            </a:fontRef>
+          </p:style>
+          <p:txBody>
+            <a:bodyPr rtlCol="0" anchor="ctr"/>
+            <a:lstStyle/>
+            <a:p>
+              <a:pPr algn="ctr"/>
+              <a:endParaRPr lang="de-CH" sz="1600" dirty="0">
+                <a:solidFill>
+                  <a:schemeClr val="tx1"/>
+                </a:solidFill>
+              </a:endParaRPr>
+            </a:p>
+          </p:txBody>
+        </p:sp>
+        <p:sp>
+          <p:nvSpPr>
+            <p:cNvPr id="7" name="Rounded Rectangle 10"/>
+            <p:cNvSpPr/>
+            <p:nvPr/>
+          </p:nvSpPr>
+          <p:spPr>
+            <a:xfrm>
+              <a:off x="2833722" y="5377530"/>
+              <a:ext cx="56891" cy="61439"/>
+            </a:xfrm>
+            <a:prstGeom prst="roundRect">
+              <a:avLst/>
+            </a:prstGeom>
+            <a:solidFill>
+              <a:srgbClr val="A7BFD3"/>
+            </a:solidFill>
+            <a:ln w="9525">
+              <a:solidFill>
+                <a:srgbClr val="3E83AD"/>
+              </a:solidFill>
+            </a:ln>
+          </p:spPr>
+          <p:style>
+            <a:lnRef idx="2">
+              <a:schemeClr val="accent1">
+                <a:shade val="50000"/>
+              </a:schemeClr>
+            </a:lnRef>
+            <a:fillRef idx="1">
+              <a:schemeClr val="accent1"/>
+            </a:fillRef>
+            <a:effectRef idx="0">
+              <a:schemeClr val="accent1"/>
+            </a:effectRef>
+            <a:fontRef idx="minor">
+              <a:schemeClr val="lt1"/>
+            </a:fontRef>
+          </p:style>
+          <p:txBody>
+            <a:bodyPr rtlCol="0" anchor="ctr"/>
+            <a:lstStyle/>
+            <a:p>
+              <a:pPr algn="ctr"/>
+              <a:endParaRPr lang="de-CH"/>
+            </a:p>
+          </p:txBody>
+        </p:sp>
+        <p:sp>
+          <p:nvSpPr>
+            <p:cNvPr id="8" name="Rounded Rectangle 11"/>
+            <p:cNvSpPr/>
+            <p:nvPr/>
+          </p:nvSpPr>
+          <p:spPr>
+            <a:xfrm>
+              <a:off x="1886416" y="5266195"/>
+              <a:ext cx="21049" cy="306750"/>
+            </a:xfrm>
+            <a:prstGeom prst="roundRect">
+              <a:avLst/>
+            </a:prstGeom>
+            <a:solidFill>
+              <a:srgbClr val="A7BFD3"/>
+            </a:solidFill>
+            <a:ln w="9525">
+              <a:solidFill>
+                <a:srgbClr val="3E83AD"/>
+              </a:solidFill>
+            </a:ln>
+          </p:spPr>
+          <p:style>
+            <a:lnRef idx="2">
+              <a:schemeClr val="accent1">
+                <a:shade val="50000"/>
+              </a:schemeClr>
+            </a:lnRef>
+            <a:fillRef idx="1">
+              <a:schemeClr val="accent1"/>
+            </a:fillRef>
+            <a:effectRef idx="0">
+              <a:schemeClr val="accent1"/>
+            </a:effectRef>
+            <a:fontRef idx="minor">
+              <a:schemeClr val="lt1"/>
+            </a:fontRef>
+          </p:style>
+          <p:txBody>
+            <a:bodyPr rtlCol="0" anchor="ctr"/>
+            <a:lstStyle/>
+            <a:p>
+              <a:pPr algn="ctr"/>
+              <a:endParaRPr lang="de-CH"/>
+            </a:p>
+          </p:txBody>
+        </p:sp>
+      </p:grpSp>
+      <p:grpSp>
+        <p:nvGrpSpPr>
+          <p:cNvPr id="37" name="Group 36"/>
+          <p:cNvGrpSpPr/>
+          <p:nvPr/>
+        </p:nvGrpSpPr>
+        <p:grpSpPr>
+          <a:xfrm>
+            <a:off x="2087145" y="2620300"/>
+            <a:ext cx="2431588" cy="1424253"/>
+            <a:chOff x="1190758" y="3076088"/>
+            <a:chExt cx="2086277" cy="1221994"/>
+          </a:xfrm>
+        </p:grpSpPr>
+        <p:sp>
+          <p:nvSpPr>
+            <p:cNvPr id="15" name="Rectangle 19"/>
+            <p:cNvSpPr/>
+            <p:nvPr/>
+          </p:nvSpPr>
+          <p:spPr>
+            <a:xfrm>
+              <a:off x="1190758" y="3076088"/>
+              <a:ext cx="2086277" cy="1221994"/>
+            </a:xfrm>
+            <a:prstGeom prst="rect">
+              <a:avLst/>
+            </a:prstGeom>
+            <a:solidFill>
+              <a:srgbClr val="A7BFD3"/>
+            </a:solidFill>
+            <a:ln w="9525">
+              <a:solidFill>
+                <a:srgbClr val="3E83AD"/>
+              </a:solidFill>
+            </a:ln>
+          </p:spPr>
+          <p:style>
+            <a:lnRef idx="2">
+              <a:schemeClr val="accent1">
+                <a:shade val="50000"/>
+              </a:schemeClr>
+            </a:lnRef>
+            <a:fillRef idx="1">
+              <a:schemeClr val="accent1"/>
+            </a:fillRef>
+            <a:effectRef idx="0">
+              <a:schemeClr val="accent1"/>
+            </a:effectRef>
+            <a:fontRef idx="minor">
+              <a:schemeClr val="lt1"/>
+            </a:fontRef>
+          </p:style>
+          <p:txBody>
+            <a:bodyPr rtlCol="0" anchor="ctr"/>
+            <a:lstStyle/>
+            <a:p>
+              <a:pPr algn="ctr"/>
+              <a:endParaRPr lang="de-CH"/>
+            </a:p>
+          </p:txBody>
+        </p:sp>
+        <p:sp>
+          <p:nvSpPr>
+            <p:cNvPr id="16" name="Rectangle 20"/>
+            <p:cNvSpPr/>
+            <p:nvPr/>
+          </p:nvSpPr>
+          <p:spPr>
+            <a:xfrm>
+              <a:off x="1246303" y="3131633"/>
+              <a:ext cx="1975187" cy="1110904"/>
+            </a:xfrm>
+            <a:prstGeom prst="rect">
+              <a:avLst/>
+            </a:prstGeom>
+            <a:solidFill>
+              <a:srgbClr val="CAD9E5"/>
+            </a:solidFill>
+            <a:ln w="9525">
+              <a:solidFill>
+                <a:srgbClr val="3E83AD"/>
+              </a:solidFill>
+            </a:ln>
+          </p:spPr>
+          <p:style>
+            <a:lnRef idx="2">
+              <a:schemeClr val="accent1"/>
+            </a:lnRef>
+            <a:fillRef idx="1">
+              <a:schemeClr val="lt1"/>
+            </a:fillRef>
+            <a:effectRef idx="0">
+              <a:schemeClr val="accent1"/>
+            </a:effectRef>
+            <a:fontRef idx="minor">
+              <a:schemeClr val="dk1"/>
+            </a:fontRef>
+          </p:style>
+          <p:txBody>
+            <a:bodyPr rtlCol="0" anchor="ctr"/>
+            <a:lstStyle/>
+            <a:p>
+              <a:pPr algn="ctr"/>
+              <a:endParaRPr lang="de-CH" sz="1600" dirty="0">
+                <a:solidFill>
+                  <a:schemeClr val="tx1"/>
+                </a:solidFill>
+              </a:endParaRPr>
+            </a:p>
+          </p:txBody>
+        </p:sp>
+      </p:grpSp>
+      <p:grpSp>
+        <p:nvGrpSpPr>
+          <p:cNvPr id="38" name="Group 37"/>
+          <p:cNvGrpSpPr/>
+          <p:nvPr/>
+        </p:nvGrpSpPr>
+        <p:grpSpPr>
+          <a:xfrm>
+            <a:off x="6190181" y="2532153"/>
+            <a:ext cx="1693962" cy="992203"/>
+            <a:chOff x="6029826" y="2965809"/>
+            <a:chExt cx="1445692" cy="846784"/>
+          </a:xfrm>
+        </p:grpSpPr>
+        <p:sp>
+          <p:nvSpPr>
+            <p:cNvPr id="17" name="Rectangle 19"/>
+            <p:cNvSpPr/>
+            <p:nvPr/>
+          </p:nvSpPr>
+          <p:spPr>
+            <a:xfrm>
+              <a:off x="6029826" y="2965809"/>
+              <a:ext cx="1445692" cy="846784"/>
+            </a:xfrm>
+            <a:prstGeom prst="rect">
+              <a:avLst/>
+            </a:prstGeom>
+            <a:solidFill>
+              <a:srgbClr val="A7BFD3"/>
+            </a:solidFill>
+            <a:ln w="9525">
+              <a:solidFill>
+                <a:srgbClr val="3E83AD"/>
+              </a:solidFill>
+            </a:ln>
+          </p:spPr>
+          <p:style>
+            <a:lnRef idx="2">
+              <a:schemeClr val="accent1">
+                <a:shade val="50000"/>
+              </a:schemeClr>
+            </a:lnRef>
+            <a:fillRef idx="1">
+              <a:schemeClr val="accent1"/>
+            </a:fillRef>
+            <a:effectRef idx="0">
+              <a:schemeClr val="accent1"/>
+            </a:effectRef>
+            <a:fontRef idx="minor">
+              <a:schemeClr val="lt1"/>
+            </a:fontRef>
+          </p:style>
+          <p:txBody>
+            <a:bodyPr rtlCol="0" anchor="ctr"/>
+            <a:lstStyle/>
+            <a:p>
+              <a:pPr algn="ctr"/>
+              <a:endParaRPr lang="de-CH"/>
+            </a:p>
+          </p:txBody>
+        </p:sp>
+        <p:sp>
+          <p:nvSpPr>
+            <p:cNvPr id="18" name="Rectangle 20"/>
+            <p:cNvSpPr/>
+            <p:nvPr/>
+          </p:nvSpPr>
+          <p:spPr>
+            <a:xfrm>
+              <a:off x="6067557" y="3005058"/>
+              <a:ext cx="1368712" cy="769804"/>
+            </a:xfrm>
+            <a:prstGeom prst="rect">
+              <a:avLst/>
+            </a:prstGeom>
+            <a:solidFill>
+              <a:srgbClr val="CAD9E5"/>
+            </a:solidFill>
+            <a:ln w="9525">
+              <a:solidFill>
+                <a:srgbClr val="3E83AD"/>
+              </a:solidFill>
+            </a:ln>
+          </p:spPr>
+          <p:style>
+            <a:lnRef idx="2">
+              <a:schemeClr val="accent1"/>
+            </a:lnRef>
+            <a:fillRef idx="1">
+              <a:schemeClr val="lt1"/>
+            </a:fillRef>
+            <a:effectRef idx="0">
+              <a:schemeClr val="accent1"/>
+            </a:effectRef>
+            <a:fontRef idx="minor">
+              <a:schemeClr val="dk1"/>
+            </a:fontRef>
+          </p:style>
+          <p:txBody>
+            <a:bodyPr rtlCol="0" anchor="ctr"/>
+            <a:lstStyle/>
+            <a:p>
+              <a:pPr algn="ctr"/>
+              <a:endParaRPr lang="de-CH" sz="1600" dirty="0">
+                <a:solidFill>
+                  <a:schemeClr val="tx1"/>
+                </a:solidFill>
+              </a:endParaRPr>
+            </a:p>
+          </p:txBody>
+        </p:sp>
+      </p:grpSp>
+      <p:grpSp>
+        <p:nvGrpSpPr>
+          <p:cNvPr id="22" name="Group 21"/>
+          <p:cNvGrpSpPr/>
+          <p:nvPr/>
+        </p:nvGrpSpPr>
+        <p:grpSpPr>
+          <a:xfrm rot="18088727">
+            <a:off x="7660464" y="3510577"/>
+            <a:ext cx="1009485" cy="539606"/>
+            <a:chOff x="3140544" y="5329856"/>
+            <a:chExt cx="1296416" cy="692981"/>
+          </a:xfrm>
+        </p:grpSpPr>
+        <p:sp>
+          <p:nvSpPr>
+            <p:cNvPr id="23" name="Rounded Rectangle 16"/>
+            <p:cNvSpPr/>
+            <p:nvPr/>
+          </p:nvSpPr>
+          <p:spPr>
+            <a:xfrm>
+              <a:off x="3140544" y="5329856"/>
+              <a:ext cx="1296416" cy="692981"/>
+            </a:xfrm>
+            <a:prstGeom prst="roundRect">
+              <a:avLst/>
+            </a:prstGeom>
+            <a:solidFill>
+              <a:srgbClr val="A7BFD3"/>
+            </a:solidFill>
+            <a:ln w="9525"/>
+          </p:spPr>
+          <p:style>
+            <a:lnRef idx="2">
+              <a:schemeClr val="accent1">
+                <a:shade val="50000"/>
+              </a:schemeClr>
+            </a:lnRef>
+            <a:fillRef idx="1">
+              <a:schemeClr val="accent1"/>
+            </a:fillRef>
+            <a:effectRef idx="0">
+              <a:schemeClr val="accent1"/>
+            </a:effectRef>
+            <a:fontRef idx="minor">
+              <a:schemeClr val="lt1"/>
+            </a:fontRef>
+          </p:style>
+          <p:txBody>
+            <a:bodyPr rtlCol="0" anchor="ctr"/>
+            <a:lstStyle/>
+            <a:p>
+              <a:pPr algn="ctr"/>
+              <a:endParaRPr lang="de-CH"/>
+            </a:p>
+          </p:txBody>
+        </p:sp>
+        <p:sp>
+          <p:nvSpPr>
+            <p:cNvPr id="24" name="Rectangle 17"/>
+            <p:cNvSpPr/>
+            <p:nvPr/>
+          </p:nvSpPr>
+          <p:spPr>
+            <a:xfrm>
+              <a:off x="3277035" y="5354766"/>
+              <a:ext cx="1023434" cy="639646"/>
+            </a:xfrm>
+            <a:prstGeom prst="rect">
+              <a:avLst/>
+            </a:prstGeom>
+            <a:solidFill>
+              <a:srgbClr val="CAD9E5"/>
+            </a:solidFill>
+            <a:ln w="9525">
+              <a:solidFill>
+                <a:srgbClr val="3E83AD"/>
+              </a:solidFill>
+            </a:ln>
+          </p:spPr>
+          <p:style>
+            <a:lnRef idx="2">
+              <a:schemeClr val="accent1"/>
+            </a:lnRef>
+            <a:fillRef idx="1">
+              <a:schemeClr val="lt1"/>
+            </a:fillRef>
+            <a:effectRef idx="0">
+              <a:schemeClr val="accent1"/>
+            </a:effectRef>
+            <a:fontRef idx="minor">
+              <a:schemeClr val="dk1"/>
+            </a:fontRef>
+          </p:style>
+          <p:txBody>
+            <a:bodyPr rtlCol="0" anchor="ctr"/>
+            <a:lstStyle/>
+            <a:p>
+              <a:pPr algn="ctr"/>
+              <a:endParaRPr lang="de-CH" sz="1600" dirty="0">
+                <a:solidFill>
+                  <a:schemeClr val="tx1"/>
+                </a:solidFill>
+              </a:endParaRPr>
+            </a:p>
+          </p:txBody>
+        </p:sp>
+        <p:sp>
+          <p:nvSpPr>
+            <p:cNvPr id="25" name="Oval 14"/>
+            <p:cNvSpPr/>
+            <p:nvPr/>
+          </p:nvSpPr>
+          <p:spPr>
+            <a:xfrm>
+              <a:off x="4323038" y="5643130"/>
+              <a:ext cx="91351" cy="91351"/>
+            </a:xfrm>
+            <a:prstGeom prst="ellipse">
+              <a:avLst/>
+            </a:prstGeom>
+            <a:solidFill>
+              <a:srgbClr val="A7BFD3"/>
+            </a:solidFill>
+            <a:ln w="9525">
+              <a:solidFill>
+                <a:srgbClr val="3E83AD"/>
+              </a:solidFill>
+            </a:ln>
+          </p:spPr>
+          <p:style>
+            <a:lnRef idx="2">
+              <a:schemeClr val="accent1">
+                <a:shade val="50000"/>
+              </a:schemeClr>
+            </a:lnRef>
+            <a:fillRef idx="1">
+              <a:schemeClr val="accent1"/>
+            </a:fillRef>
+            <a:effectRef idx="0">
+              <a:schemeClr val="accent1"/>
+            </a:effectRef>
+            <a:fontRef idx="minor">
+              <a:schemeClr val="lt1"/>
+            </a:fontRef>
+          </p:style>
+          <p:txBody>
+            <a:bodyPr rtlCol="0" anchor="ctr"/>
+            <a:lstStyle/>
+            <a:p>
+              <a:pPr algn="ctr"/>
+              <a:endParaRPr lang="de-CH"/>
+            </a:p>
+          </p:txBody>
+        </p:sp>
+        <p:sp>
+          <p:nvSpPr>
+            <p:cNvPr id="26" name="Oval 15"/>
+            <p:cNvSpPr/>
+            <p:nvPr/>
+          </p:nvSpPr>
+          <p:spPr>
+            <a:xfrm>
+              <a:off x="3180966" y="5655309"/>
+              <a:ext cx="38567" cy="38567"/>
+            </a:xfrm>
+            <a:prstGeom prst="ellipse">
+              <a:avLst/>
+            </a:prstGeom>
+            <a:solidFill>
+              <a:srgbClr val="A7BFD3"/>
+            </a:solidFill>
+            <a:ln w="9525">
+              <a:solidFill>
+                <a:srgbClr val="3E83AD"/>
+              </a:solidFill>
+            </a:ln>
+          </p:spPr>
+          <p:style>
+            <a:lnRef idx="2">
+              <a:schemeClr val="dk1">
+                <a:shade val="50000"/>
+              </a:schemeClr>
+            </a:lnRef>
+            <a:fillRef idx="1">
+              <a:schemeClr val="dk1"/>
+            </a:fillRef>
+            <a:effectRef idx="0">
+              <a:schemeClr val="dk1"/>
+            </a:effectRef>
+            <a:fontRef idx="minor">
+              <a:schemeClr val="lt1"/>
+            </a:fontRef>
+          </p:style>
+          <p:txBody>
+            <a:bodyPr rtlCol="0" anchor="ctr"/>
+            <a:lstStyle/>
+            <a:p>
+              <a:pPr algn="ctr"/>
+              <a:endParaRPr lang="de-CH"/>
+            </a:p>
+          </p:txBody>
+        </p:sp>
+      </p:grpSp>
+      <p:grpSp>
+        <p:nvGrpSpPr>
+          <p:cNvPr id="32" name="Group 31"/>
+          <p:cNvGrpSpPr/>
+          <p:nvPr/>
+        </p:nvGrpSpPr>
+        <p:grpSpPr>
+          <a:xfrm rot="4857374" flipV="1">
+            <a:off x="1574329" y="4113953"/>
+            <a:ext cx="654029" cy="330340"/>
+            <a:chOff x="1854393" y="5153512"/>
+            <a:chExt cx="1053519" cy="532117"/>
+          </a:xfrm>
+        </p:grpSpPr>
+        <p:sp>
+          <p:nvSpPr>
+            <p:cNvPr id="33" name="Rounded Rectangle 8"/>
+            <p:cNvSpPr/>
+            <p:nvPr/>
+          </p:nvSpPr>
+          <p:spPr>
+            <a:xfrm>
+              <a:off x="1854393" y="5153512"/>
+              <a:ext cx="1053519" cy="532117"/>
+            </a:xfrm>
+            <a:prstGeom prst="roundRect">
+              <a:avLst/>
+            </a:prstGeom>
+            <a:solidFill>
+              <a:srgbClr val="A7BFD3"/>
+            </a:solidFill>
+            <a:ln w="9525">
+              <a:solidFill>
+                <a:srgbClr val="3E83AD"/>
+              </a:solidFill>
+            </a:ln>
+          </p:spPr>
+          <p:style>
+            <a:lnRef idx="2">
+              <a:schemeClr val="accent1">
+                <a:shade val="50000"/>
+              </a:schemeClr>
+            </a:lnRef>
+            <a:fillRef idx="1">
+              <a:schemeClr val="accent1"/>
+            </a:fillRef>
+            <a:effectRef idx="0">
+              <a:schemeClr val="accent1"/>
+            </a:effectRef>
+            <a:fontRef idx="minor">
+              <a:schemeClr val="lt1"/>
+            </a:fontRef>
+          </p:style>
+          <p:txBody>
+            <a:bodyPr rtlCol="0" anchor="ctr"/>
+            <a:lstStyle/>
+            <a:p>
+              <a:pPr algn="ctr"/>
+              <a:endParaRPr lang="de-CH"/>
+            </a:p>
+          </p:txBody>
+        </p:sp>
+        <p:sp>
+          <p:nvSpPr>
+            <p:cNvPr id="34" name="Rectangle 9"/>
+            <p:cNvSpPr/>
+            <p:nvPr/>
+          </p:nvSpPr>
+          <p:spPr>
+            <a:xfrm>
+              <a:off x="1948007" y="5172110"/>
+              <a:ext cx="866291" cy="494920"/>
+            </a:xfrm>
+            <a:prstGeom prst="rect">
+              <a:avLst/>
+            </a:prstGeom>
+            <a:solidFill>
+              <a:srgbClr val="CAD9E5"/>
+            </a:solidFill>
+            <a:ln w="9525">
+              <a:solidFill>
+                <a:srgbClr val="3E83AD"/>
+              </a:solidFill>
+            </a:ln>
+          </p:spPr>
+          <p:style>
+            <a:lnRef idx="2">
+              <a:schemeClr val="accent1"/>
+            </a:lnRef>
+            <a:fillRef idx="1">
+              <a:schemeClr val="lt1"/>
+            </a:fillRef>
+            <a:effectRef idx="0">
+              <a:schemeClr val="accent1"/>
+            </a:effectRef>
+            <a:fontRef idx="minor">
+              <a:schemeClr val="dk1"/>
+            </a:fontRef>
+          </p:style>
+          <p:txBody>
+            <a:bodyPr rtlCol="0" anchor="ctr"/>
+            <a:lstStyle/>
+            <a:p>
+              <a:pPr algn="ctr"/>
+              <a:endParaRPr lang="de-CH" sz="1600" dirty="0">
+                <a:solidFill>
+                  <a:schemeClr val="tx1"/>
+                </a:solidFill>
+              </a:endParaRPr>
+            </a:p>
+          </p:txBody>
+        </p:sp>
+        <p:sp>
+          <p:nvSpPr>
+            <p:cNvPr id="35" name="Rounded Rectangle 10"/>
+            <p:cNvSpPr/>
+            <p:nvPr/>
+          </p:nvSpPr>
+          <p:spPr>
+            <a:xfrm>
+              <a:off x="2833722" y="5377530"/>
+              <a:ext cx="56891" cy="61439"/>
+            </a:xfrm>
+            <a:prstGeom prst="roundRect">
+              <a:avLst/>
+            </a:prstGeom>
+            <a:solidFill>
+              <a:srgbClr val="A7BFD3"/>
+            </a:solidFill>
+            <a:ln w="9525">
+              <a:solidFill>
+                <a:srgbClr val="3E83AD"/>
+              </a:solidFill>
+            </a:ln>
+          </p:spPr>
+          <p:style>
+            <a:lnRef idx="2">
+              <a:schemeClr val="accent1">
+                <a:shade val="50000"/>
+              </a:schemeClr>
+            </a:lnRef>
+            <a:fillRef idx="1">
+              <a:schemeClr val="accent1"/>
+            </a:fillRef>
+            <a:effectRef idx="0">
+              <a:schemeClr val="accent1"/>
+            </a:effectRef>
+            <a:fontRef idx="minor">
+              <a:schemeClr val="lt1"/>
+            </a:fontRef>
+          </p:style>
+          <p:txBody>
+            <a:bodyPr rtlCol="0" anchor="ctr"/>
+            <a:lstStyle/>
+            <a:p>
+              <a:pPr algn="ctr"/>
+              <a:endParaRPr lang="de-CH"/>
+            </a:p>
+          </p:txBody>
+        </p:sp>
+        <p:sp>
+          <p:nvSpPr>
+            <p:cNvPr id="36" name="Rounded Rectangle 11"/>
+            <p:cNvSpPr/>
+            <p:nvPr/>
+          </p:nvSpPr>
+          <p:spPr>
+            <a:xfrm>
+              <a:off x="1886416" y="5266195"/>
+              <a:ext cx="21049" cy="306750"/>
+            </a:xfrm>
+            <a:prstGeom prst="roundRect">
+              <a:avLst/>
+            </a:prstGeom>
+            <a:solidFill>
+              <a:srgbClr val="A7BFD3"/>
+            </a:solidFill>
+            <a:ln w="9525">
+              <a:solidFill>
+                <a:srgbClr val="3E83AD"/>
+              </a:solidFill>
+            </a:ln>
+          </p:spPr>
+          <p:style>
+            <a:lnRef idx="2">
+              <a:schemeClr val="accent1">
+                <a:shade val="50000"/>
+              </a:schemeClr>
+            </a:lnRef>
+            <a:fillRef idx="1">
+              <a:schemeClr val="accent1"/>
+            </a:fillRef>
+            <a:effectRef idx="0">
+              <a:schemeClr val="accent1"/>
+            </a:effectRef>
+            <a:fontRef idx="minor">
+              <a:schemeClr val="lt1"/>
+            </a:fontRef>
+          </p:style>
+          <p:txBody>
+            <a:bodyPr rtlCol="0" anchor="ctr"/>
+            <a:lstStyle/>
+            <a:p>
+              <a:pPr algn="ctr"/>
+              <a:endParaRPr lang="de-CH"/>
+            </a:p>
+          </p:txBody>
+        </p:sp>
+      </p:grpSp>
+      <p:sp>
+        <p:nvSpPr>
+          <p:cNvPr id="46" name="Curved Up Arrow 45"/>
+          <p:cNvSpPr/>
+          <p:nvPr/>
+        </p:nvSpPr>
+        <p:spPr>
+          <a:xfrm rot="10800000">
+            <a:off x="4735292" y="2161309"/>
+            <a:ext cx="1238330" cy="370844"/>
+          </a:xfrm>
+          <a:prstGeom prst="curvedUpArrow">
+            <a:avLst/>
+          </a:prstGeom>
+        </p:spPr>
+        <p:style>
+          <a:lnRef idx="2">
+            <a:schemeClr val="accent1">
+              <a:shade val="50000"/>
+            </a:schemeClr>
+          </a:lnRef>
+          <a:fillRef idx="1">
+            <a:schemeClr val="accent1"/>
+          </a:fillRef>
+          <a:effectRef idx="0">
+            <a:schemeClr val="accent1"/>
+          </a:effectRef>
+          <a:fontRef idx="minor">
+            <a:schemeClr val="lt1"/>
+          </a:fontRef>
+        </p:style>
+        <p:txBody>
+          <a:bodyPr rtlCol="0" anchor="ctr"/>
+          <a:lstStyle/>
+          <a:p>
+            <a:pPr algn="ctr"/>
+            <a:endParaRPr lang="de-CH">
+              <a:solidFill>
+                <a:schemeClr val="tx1"/>
+              </a:solidFill>
+            </a:endParaRPr>
+          </a:p>
+        </p:txBody>
+      </p:sp>
+      <p:sp>
+        <p:nvSpPr>
+          <p:cNvPr id="47" name="Curved Up Arrow 46"/>
+          <p:cNvSpPr/>
+          <p:nvPr/>
+        </p:nvSpPr>
+        <p:spPr>
+          <a:xfrm>
+            <a:off x="4649507" y="4093701"/>
+            <a:ext cx="1238330" cy="370844"/>
+          </a:xfrm>
+          <a:prstGeom prst="curvedUpArrow">
+            <a:avLst/>
+          </a:prstGeom>
+        </p:spPr>
+        <p:style>
+          <a:lnRef idx="2">
+            <a:schemeClr val="accent1">
+              <a:shade val="50000"/>
+            </a:schemeClr>
+          </a:lnRef>
+          <a:fillRef idx="1">
+            <a:schemeClr val="accent1"/>
+          </a:fillRef>
+          <a:effectRef idx="0">
+            <a:schemeClr val="accent1"/>
+          </a:effectRef>
+          <a:fontRef idx="minor">
+            <a:schemeClr val="lt1"/>
+          </a:fontRef>
+        </p:style>
+        <p:txBody>
+          <a:bodyPr rtlCol="0" anchor="ctr"/>
+          <a:lstStyle/>
+          <a:p>
+            <a:pPr algn="ctr"/>
+            <a:endParaRPr lang="de-CH">
+              <a:solidFill>
+                <a:schemeClr val="tx1"/>
+              </a:solidFill>
+            </a:endParaRPr>
+          </a:p>
+        </p:txBody>
+      </p:sp>
+    </p:spTree>
+    <p:extLst>
+      <p:ext uri="{BB962C8B-B14F-4D97-AF65-F5344CB8AC3E}">
+        <p14:creationId xmlns:p14="http://schemas.microsoft.com/office/powerpoint/2010/main" val="3901745900"/>
+      </p:ext>
+    </p:extLst>
+  </p:cSld>
+  <p:clrMapOvr>
+    <a:masterClrMapping/>
+  </p:clrMapOvr>
 </p:sld>
 </file>
 
